--- a/Geoffrey Leigh_CapstonePresentation.pptx
+++ b/Geoffrey Leigh_CapstonePresentation.pptx
@@ -4,18 +4,31 @@
   <p:sldMasterIdLst>
     <p:sldMasterId id="2147483648" r:id="rId1"/>
   </p:sldMasterIdLst>
+  <p:notesMasterIdLst>
+    <p:notesMasterId r:id="rId23"/>
+  </p:notesMasterIdLst>
   <p:sldIdLst>
     <p:sldId id="265" r:id="rId2"/>
     <p:sldId id="258" r:id="rId3"/>
     <p:sldId id="257" r:id="rId4"/>
     <p:sldId id="259" r:id="rId5"/>
     <p:sldId id="260" r:id="rId6"/>
-    <p:sldId id="261" r:id="rId7"/>
-    <p:sldId id="267" r:id="rId8"/>
-    <p:sldId id="262" r:id="rId9"/>
-    <p:sldId id="264" r:id="rId10"/>
-    <p:sldId id="263" r:id="rId11"/>
-    <p:sldId id="266" r:id="rId12"/>
+    <p:sldId id="268" r:id="rId7"/>
+    <p:sldId id="269" r:id="rId8"/>
+    <p:sldId id="270" r:id="rId9"/>
+    <p:sldId id="271" r:id="rId10"/>
+    <p:sldId id="272" r:id="rId11"/>
+    <p:sldId id="273" r:id="rId12"/>
+    <p:sldId id="274" r:id="rId13"/>
+    <p:sldId id="261" r:id="rId14"/>
+    <p:sldId id="267" r:id="rId15"/>
+    <p:sldId id="276" r:id="rId16"/>
+    <p:sldId id="262" r:id="rId17"/>
+    <p:sldId id="277" r:id="rId18"/>
+    <p:sldId id="264" r:id="rId19"/>
+    <p:sldId id="275" r:id="rId20"/>
+    <p:sldId id="263" r:id="rId21"/>
+    <p:sldId id="266" r:id="rId22"/>
   </p:sldIdLst>
   <p:sldSz cx="9144000" cy="6858000" type="screen4x3"/>
   <p:notesSz cx="6858000" cy="9144000"/>
@@ -133,6 +146,524 @@
 </p:presentation>
 </file>
 
+<file path=ppt/notesMasters/notesMaster1.xml><?xml version="1.0" encoding="utf-8"?>
+<p:notesMaster xmlns:a="http://schemas.openxmlformats.org/drawingml/2006/main" xmlns:r="http://schemas.openxmlformats.org/officeDocument/2006/relationships" xmlns:p="http://schemas.openxmlformats.org/presentationml/2006/main">
+  <p:cSld>
+    <p:bg>
+      <p:bgRef idx="1001">
+        <a:schemeClr val="bg1"/>
+      </p:bgRef>
+    </p:bg>
+    <p:spTree>
+      <p:nvGrpSpPr>
+        <p:cNvPr id="1" name=""/>
+        <p:cNvGrpSpPr/>
+        <p:nvPr/>
+      </p:nvGrpSpPr>
+      <p:grpSpPr>
+        <a:xfrm>
+          <a:off x="0" y="0"/>
+          <a:ext cx="0" cy="0"/>
+          <a:chOff x="0" y="0"/>
+          <a:chExt cx="0" cy="0"/>
+        </a:xfrm>
+      </p:grpSpPr>
+      <p:sp>
+        <p:nvSpPr>
+          <p:cNvPr id="2" name="Header Placeholder 1"/>
+          <p:cNvSpPr>
+            <a:spLocks noGrp="1"/>
+          </p:cNvSpPr>
+          <p:nvPr>
+            <p:ph type="hdr" sz="quarter"/>
+          </p:nvPr>
+        </p:nvSpPr>
+        <p:spPr>
+          <a:xfrm>
+            <a:off x="0" y="0"/>
+            <a:ext cx="2971800" cy="458788"/>
+          </a:xfrm>
+          <a:prstGeom prst="rect">
+            <a:avLst/>
+          </a:prstGeom>
+        </p:spPr>
+        <p:txBody>
+          <a:bodyPr vert="horz" lIns="91440" tIns="45720" rIns="91440" bIns="45720" rtlCol="0"/>
+          <a:lstStyle>
+            <a:lvl1pPr algn="l">
+              <a:defRPr sz="1200"/>
+            </a:lvl1pPr>
+          </a:lstStyle>
+          <a:p>
+            <a:endParaRPr lang="en-US"/>
+          </a:p>
+        </p:txBody>
+      </p:sp>
+      <p:sp>
+        <p:nvSpPr>
+          <p:cNvPr id="3" name="Date Placeholder 2"/>
+          <p:cNvSpPr>
+            <a:spLocks noGrp="1"/>
+          </p:cNvSpPr>
+          <p:nvPr>
+            <p:ph type="dt" idx="1"/>
+          </p:nvPr>
+        </p:nvSpPr>
+        <p:spPr>
+          <a:xfrm>
+            <a:off x="3884613" y="0"/>
+            <a:ext cx="2971800" cy="458788"/>
+          </a:xfrm>
+          <a:prstGeom prst="rect">
+            <a:avLst/>
+          </a:prstGeom>
+        </p:spPr>
+        <p:txBody>
+          <a:bodyPr vert="horz" lIns="91440" tIns="45720" rIns="91440" bIns="45720" rtlCol="0"/>
+          <a:lstStyle>
+            <a:lvl1pPr algn="r">
+              <a:defRPr sz="1200"/>
+            </a:lvl1pPr>
+          </a:lstStyle>
+          <a:p>
+            <a:fld id="{C0424DEF-21C2-4B94-B82F-4C81CED84CAB}" type="datetimeFigureOut">
+              <a:rPr lang="en-US" smtClean="0"/>
+              <a:t>4/30/2017</a:t>
+            </a:fld>
+            <a:endParaRPr lang="en-US"/>
+          </a:p>
+        </p:txBody>
+      </p:sp>
+      <p:sp>
+        <p:nvSpPr>
+          <p:cNvPr id="4" name="Slide Image Placeholder 3"/>
+          <p:cNvSpPr>
+            <a:spLocks noGrp="1" noRot="1" noChangeAspect="1"/>
+          </p:cNvSpPr>
+          <p:nvPr>
+            <p:ph type="sldImg" idx="2"/>
+          </p:nvPr>
+        </p:nvSpPr>
+        <p:spPr>
+          <a:xfrm>
+            <a:off x="1371600" y="1143000"/>
+            <a:ext cx="4114800" cy="3086100"/>
+          </a:xfrm>
+          <a:prstGeom prst="rect">
+            <a:avLst/>
+          </a:prstGeom>
+          <a:noFill/>
+          <a:ln w="12700">
+            <a:solidFill>
+              <a:prstClr val="black"/>
+            </a:solidFill>
+          </a:ln>
+        </p:spPr>
+        <p:txBody>
+          <a:bodyPr vert="horz" lIns="91440" tIns="45720" rIns="91440" bIns="45720" rtlCol="0" anchor="ctr"/>
+          <a:lstStyle/>
+          <a:p>
+            <a:endParaRPr lang="en-US"/>
+          </a:p>
+        </p:txBody>
+      </p:sp>
+      <p:sp>
+        <p:nvSpPr>
+          <p:cNvPr id="5" name="Notes Placeholder 4"/>
+          <p:cNvSpPr>
+            <a:spLocks noGrp="1"/>
+          </p:cNvSpPr>
+          <p:nvPr>
+            <p:ph type="body" sz="quarter" idx="3"/>
+          </p:nvPr>
+        </p:nvSpPr>
+        <p:spPr>
+          <a:xfrm>
+            <a:off x="685800" y="4400550"/>
+            <a:ext cx="5486400" cy="3600450"/>
+          </a:xfrm>
+          <a:prstGeom prst="rect">
+            <a:avLst/>
+          </a:prstGeom>
+        </p:spPr>
+        <p:txBody>
+          <a:bodyPr vert="horz" lIns="91440" tIns="45720" rIns="91440" bIns="45720" rtlCol="0"/>
+          <a:lstStyle/>
+          <a:p>
+            <a:pPr lvl="0"/>
+            <a:r>
+              <a:rPr lang="en-US" smtClean="0"/>
+              <a:t>Click to edit Master text styles</a:t>
+            </a:r>
+          </a:p>
+          <a:p>
+            <a:pPr lvl="1"/>
+            <a:r>
+              <a:rPr lang="en-US" smtClean="0"/>
+              <a:t>Second level</a:t>
+            </a:r>
+          </a:p>
+          <a:p>
+            <a:pPr lvl="2"/>
+            <a:r>
+              <a:rPr lang="en-US" smtClean="0"/>
+              <a:t>Third level</a:t>
+            </a:r>
+          </a:p>
+          <a:p>
+            <a:pPr lvl="3"/>
+            <a:r>
+              <a:rPr lang="en-US" smtClean="0"/>
+              <a:t>Fourth level</a:t>
+            </a:r>
+          </a:p>
+          <a:p>
+            <a:pPr lvl="4"/>
+            <a:r>
+              <a:rPr lang="en-US" smtClean="0"/>
+              <a:t>Fifth level</a:t>
+            </a:r>
+            <a:endParaRPr lang="en-US"/>
+          </a:p>
+        </p:txBody>
+      </p:sp>
+      <p:sp>
+        <p:nvSpPr>
+          <p:cNvPr id="6" name="Footer Placeholder 5"/>
+          <p:cNvSpPr>
+            <a:spLocks noGrp="1"/>
+          </p:cNvSpPr>
+          <p:nvPr>
+            <p:ph type="ftr" sz="quarter" idx="4"/>
+          </p:nvPr>
+        </p:nvSpPr>
+        <p:spPr>
+          <a:xfrm>
+            <a:off x="0" y="8685213"/>
+            <a:ext cx="2971800" cy="458787"/>
+          </a:xfrm>
+          <a:prstGeom prst="rect">
+            <a:avLst/>
+          </a:prstGeom>
+        </p:spPr>
+        <p:txBody>
+          <a:bodyPr vert="horz" lIns="91440" tIns="45720" rIns="91440" bIns="45720" rtlCol="0" anchor="b"/>
+          <a:lstStyle>
+            <a:lvl1pPr algn="l">
+              <a:defRPr sz="1200"/>
+            </a:lvl1pPr>
+          </a:lstStyle>
+          <a:p>
+            <a:endParaRPr lang="en-US"/>
+          </a:p>
+        </p:txBody>
+      </p:sp>
+      <p:sp>
+        <p:nvSpPr>
+          <p:cNvPr id="7" name="Slide Number Placeholder 6"/>
+          <p:cNvSpPr>
+            <a:spLocks noGrp="1"/>
+          </p:cNvSpPr>
+          <p:nvPr>
+            <p:ph type="sldNum" sz="quarter" idx="5"/>
+          </p:nvPr>
+        </p:nvSpPr>
+        <p:spPr>
+          <a:xfrm>
+            <a:off x="3884613" y="8685213"/>
+            <a:ext cx="2971800" cy="458787"/>
+          </a:xfrm>
+          <a:prstGeom prst="rect">
+            <a:avLst/>
+          </a:prstGeom>
+        </p:spPr>
+        <p:txBody>
+          <a:bodyPr vert="horz" lIns="91440" tIns="45720" rIns="91440" bIns="45720" rtlCol="0" anchor="b"/>
+          <a:lstStyle>
+            <a:lvl1pPr algn="r">
+              <a:defRPr sz="1200"/>
+            </a:lvl1pPr>
+          </a:lstStyle>
+          <a:p>
+            <a:fld id="{A555A8DE-C6CE-4CAD-9E6C-AA044F0A28B8}" type="slidenum">
+              <a:rPr lang="en-US" smtClean="0"/>
+              <a:t>‹#›</a:t>
+            </a:fld>
+            <a:endParaRPr lang="en-US"/>
+          </a:p>
+        </p:txBody>
+      </p:sp>
+    </p:spTree>
+    <p:extLst>
+      <p:ext uri="{BB962C8B-B14F-4D97-AF65-F5344CB8AC3E}">
+        <p14:creationId xmlns:p14="http://schemas.microsoft.com/office/powerpoint/2010/main" val="2574515165"/>
+      </p:ext>
+    </p:extLst>
+  </p:cSld>
+  <p:clrMap bg1="lt1" tx1="dk1" bg2="lt2" tx2="dk2" accent1="accent1" accent2="accent2" accent3="accent3" accent4="accent4" accent5="accent5" accent6="accent6" hlink="hlink" folHlink="folHlink"/>
+  <p:notesStyle>
+    <a:lvl1pPr marL="0" algn="l" defTabSz="914400" rtl="0" eaLnBrk="1" latinLnBrk="0" hangingPunct="1">
+      <a:defRPr sz="1200" kern="1200">
+        <a:solidFill>
+          <a:schemeClr val="tx1"/>
+        </a:solidFill>
+        <a:latin typeface="+mn-lt"/>
+        <a:ea typeface="+mn-ea"/>
+        <a:cs typeface="+mn-cs"/>
+      </a:defRPr>
+    </a:lvl1pPr>
+    <a:lvl2pPr marL="457200" algn="l" defTabSz="914400" rtl="0" eaLnBrk="1" latinLnBrk="0" hangingPunct="1">
+      <a:defRPr sz="1200" kern="1200">
+        <a:solidFill>
+          <a:schemeClr val="tx1"/>
+        </a:solidFill>
+        <a:latin typeface="+mn-lt"/>
+        <a:ea typeface="+mn-ea"/>
+        <a:cs typeface="+mn-cs"/>
+      </a:defRPr>
+    </a:lvl2pPr>
+    <a:lvl3pPr marL="914400" algn="l" defTabSz="914400" rtl="0" eaLnBrk="1" latinLnBrk="0" hangingPunct="1">
+      <a:defRPr sz="1200" kern="1200">
+        <a:solidFill>
+          <a:schemeClr val="tx1"/>
+        </a:solidFill>
+        <a:latin typeface="+mn-lt"/>
+        <a:ea typeface="+mn-ea"/>
+        <a:cs typeface="+mn-cs"/>
+      </a:defRPr>
+    </a:lvl3pPr>
+    <a:lvl4pPr marL="1371600" algn="l" defTabSz="914400" rtl="0" eaLnBrk="1" latinLnBrk="0" hangingPunct="1">
+      <a:defRPr sz="1200" kern="1200">
+        <a:solidFill>
+          <a:schemeClr val="tx1"/>
+        </a:solidFill>
+        <a:latin typeface="+mn-lt"/>
+        <a:ea typeface="+mn-ea"/>
+        <a:cs typeface="+mn-cs"/>
+      </a:defRPr>
+    </a:lvl4pPr>
+    <a:lvl5pPr marL="1828800" algn="l" defTabSz="914400" rtl="0" eaLnBrk="1" latinLnBrk="0" hangingPunct="1">
+      <a:defRPr sz="1200" kern="1200">
+        <a:solidFill>
+          <a:schemeClr val="tx1"/>
+        </a:solidFill>
+        <a:latin typeface="+mn-lt"/>
+        <a:ea typeface="+mn-ea"/>
+        <a:cs typeface="+mn-cs"/>
+      </a:defRPr>
+    </a:lvl5pPr>
+    <a:lvl6pPr marL="2286000" algn="l" defTabSz="914400" rtl="0" eaLnBrk="1" latinLnBrk="0" hangingPunct="1">
+      <a:defRPr sz="1200" kern="1200">
+        <a:solidFill>
+          <a:schemeClr val="tx1"/>
+        </a:solidFill>
+        <a:latin typeface="+mn-lt"/>
+        <a:ea typeface="+mn-ea"/>
+        <a:cs typeface="+mn-cs"/>
+      </a:defRPr>
+    </a:lvl6pPr>
+    <a:lvl7pPr marL="2743200" algn="l" defTabSz="914400" rtl="0" eaLnBrk="1" latinLnBrk="0" hangingPunct="1">
+      <a:defRPr sz="1200" kern="1200">
+        <a:solidFill>
+          <a:schemeClr val="tx1"/>
+        </a:solidFill>
+        <a:latin typeface="+mn-lt"/>
+        <a:ea typeface="+mn-ea"/>
+        <a:cs typeface="+mn-cs"/>
+      </a:defRPr>
+    </a:lvl7pPr>
+    <a:lvl8pPr marL="3200400" algn="l" defTabSz="914400" rtl="0" eaLnBrk="1" latinLnBrk="0" hangingPunct="1">
+      <a:defRPr sz="1200" kern="1200">
+        <a:solidFill>
+          <a:schemeClr val="tx1"/>
+        </a:solidFill>
+        <a:latin typeface="+mn-lt"/>
+        <a:ea typeface="+mn-ea"/>
+        <a:cs typeface="+mn-cs"/>
+      </a:defRPr>
+    </a:lvl8pPr>
+    <a:lvl9pPr marL="3657600" algn="l" defTabSz="914400" rtl="0" eaLnBrk="1" latinLnBrk="0" hangingPunct="1">
+      <a:defRPr sz="1200" kern="1200">
+        <a:solidFill>
+          <a:schemeClr val="tx1"/>
+        </a:solidFill>
+        <a:latin typeface="+mn-lt"/>
+        <a:ea typeface="+mn-ea"/>
+        <a:cs typeface="+mn-cs"/>
+      </a:defRPr>
+    </a:lvl9pPr>
+  </p:notesStyle>
+</p:notesMaster>
+</file>
+
+<file path=ppt/notesSlides/notesSlide1.xml><?xml version="1.0" encoding="utf-8"?>
+<p:notes xmlns:a="http://schemas.openxmlformats.org/drawingml/2006/main" xmlns:r="http://schemas.openxmlformats.org/officeDocument/2006/relationships" xmlns:p="http://schemas.openxmlformats.org/presentationml/2006/main">
+  <p:cSld>
+    <p:spTree>
+      <p:nvGrpSpPr>
+        <p:cNvPr id="1" name=""/>
+        <p:cNvGrpSpPr/>
+        <p:nvPr/>
+      </p:nvGrpSpPr>
+      <p:grpSpPr>
+        <a:xfrm>
+          <a:off x="0" y="0"/>
+          <a:ext cx="0" cy="0"/>
+          <a:chOff x="0" y="0"/>
+          <a:chExt cx="0" cy="0"/>
+        </a:xfrm>
+      </p:grpSpPr>
+      <p:sp>
+        <p:nvSpPr>
+          <p:cNvPr id="2" name="Slide Image Placeholder 1"/>
+          <p:cNvSpPr>
+            <a:spLocks noGrp="1" noRot="1" noChangeAspect="1"/>
+          </p:cNvSpPr>
+          <p:nvPr>
+            <p:ph type="sldImg"/>
+          </p:nvPr>
+        </p:nvSpPr>
+        <p:spPr/>
+      </p:sp>
+      <p:sp>
+        <p:nvSpPr>
+          <p:cNvPr id="3" name="Notes Placeholder 2"/>
+          <p:cNvSpPr>
+            <a:spLocks noGrp="1"/>
+          </p:cNvSpPr>
+          <p:nvPr>
+            <p:ph type="body" idx="1"/>
+          </p:nvPr>
+        </p:nvSpPr>
+        <p:spPr/>
+        <p:txBody>
+          <a:bodyPr/>
+          <a:lstStyle/>
+          <a:p>
+            <a:endParaRPr lang="en-US"/>
+          </a:p>
+        </p:txBody>
+      </p:sp>
+      <p:sp>
+        <p:nvSpPr>
+          <p:cNvPr id="4" name="Slide Number Placeholder 3"/>
+          <p:cNvSpPr>
+            <a:spLocks noGrp="1"/>
+          </p:cNvSpPr>
+          <p:nvPr>
+            <p:ph type="sldNum" sz="quarter" idx="10"/>
+          </p:nvPr>
+        </p:nvSpPr>
+        <p:spPr/>
+        <p:txBody>
+          <a:bodyPr/>
+          <a:lstStyle/>
+          <a:p>
+            <a:fld id="{861CF94C-DB25-41DA-B3E9-CBCAB92E67AB}" type="slidenum">
+              <a:rPr lang="en-US" smtClean="0"/>
+              <a:t>15</a:t>
+            </a:fld>
+            <a:endParaRPr lang="en-US"/>
+          </a:p>
+        </p:txBody>
+      </p:sp>
+    </p:spTree>
+    <p:extLst>
+      <p:ext uri="{BB962C8B-B14F-4D97-AF65-F5344CB8AC3E}">
+        <p14:creationId xmlns:p14="http://schemas.microsoft.com/office/powerpoint/2010/main" val="717792844"/>
+      </p:ext>
+    </p:extLst>
+  </p:cSld>
+  <p:clrMapOvr>
+    <a:masterClrMapping/>
+  </p:clrMapOvr>
+</p:notes>
+</file>
+
+<file path=ppt/notesSlides/notesSlide2.xml><?xml version="1.0" encoding="utf-8"?>
+<p:notes xmlns:a="http://schemas.openxmlformats.org/drawingml/2006/main" xmlns:r="http://schemas.openxmlformats.org/officeDocument/2006/relationships" xmlns:p="http://schemas.openxmlformats.org/presentationml/2006/main">
+  <p:cSld>
+    <p:spTree>
+      <p:nvGrpSpPr>
+        <p:cNvPr id="1" name=""/>
+        <p:cNvGrpSpPr/>
+        <p:nvPr/>
+      </p:nvGrpSpPr>
+      <p:grpSpPr>
+        <a:xfrm>
+          <a:off x="0" y="0"/>
+          <a:ext cx="0" cy="0"/>
+          <a:chOff x="0" y="0"/>
+          <a:chExt cx="0" cy="0"/>
+        </a:xfrm>
+      </p:grpSpPr>
+      <p:sp>
+        <p:nvSpPr>
+          <p:cNvPr id="2" name="Slide Image Placeholder 1"/>
+          <p:cNvSpPr>
+            <a:spLocks noGrp="1" noRot="1" noChangeAspect="1"/>
+          </p:cNvSpPr>
+          <p:nvPr>
+            <p:ph type="sldImg"/>
+          </p:nvPr>
+        </p:nvSpPr>
+        <p:spPr/>
+      </p:sp>
+      <p:sp>
+        <p:nvSpPr>
+          <p:cNvPr id="3" name="Notes Placeholder 2"/>
+          <p:cNvSpPr>
+            <a:spLocks noGrp="1"/>
+          </p:cNvSpPr>
+          <p:nvPr>
+            <p:ph type="body" idx="1"/>
+          </p:nvPr>
+        </p:nvSpPr>
+        <p:spPr/>
+        <p:txBody>
+          <a:bodyPr/>
+          <a:lstStyle/>
+          <a:p>
+            <a:endParaRPr lang="en-US"/>
+          </a:p>
+        </p:txBody>
+      </p:sp>
+      <p:sp>
+        <p:nvSpPr>
+          <p:cNvPr id="4" name="Slide Number Placeholder 3"/>
+          <p:cNvSpPr>
+            <a:spLocks noGrp="1"/>
+          </p:cNvSpPr>
+          <p:nvPr>
+            <p:ph type="sldNum" sz="quarter" idx="10"/>
+          </p:nvPr>
+        </p:nvSpPr>
+        <p:spPr/>
+        <p:txBody>
+          <a:bodyPr/>
+          <a:lstStyle/>
+          <a:p>
+            <a:fld id="{861CF94C-DB25-41DA-B3E9-CBCAB92E67AB}" type="slidenum">
+              <a:rPr lang="en-US" smtClean="0"/>
+              <a:t>19</a:t>
+            </a:fld>
+            <a:endParaRPr lang="en-US"/>
+          </a:p>
+        </p:txBody>
+      </p:sp>
+    </p:spTree>
+    <p:extLst>
+      <p:ext uri="{BB962C8B-B14F-4D97-AF65-F5344CB8AC3E}">
+        <p14:creationId xmlns:p14="http://schemas.microsoft.com/office/powerpoint/2010/main" val="2305421444"/>
+      </p:ext>
+    </p:extLst>
+  </p:cSld>
+  <p:clrMapOvr>
+    <a:masterClrMapping/>
+  </p:clrMapOvr>
+</p:notes>
+</file>
+
 <file path=ppt/slideLayouts/slideLayout1.xml><?xml version="1.0" encoding="utf-8"?>
 <p:sldLayout xmlns:a="http://schemas.openxmlformats.org/drawingml/2006/main" xmlns:r="http://schemas.openxmlformats.org/officeDocument/2006/relationships" xmlns:p="http://schemas.openxmlformats.org/presentationml/2006/main" type="title" preserve="1">
   <p:cSld name="Title Slide">
@@ -314,7 +845,7 @@
           <a:p>
             <a:fld id="{372A63DC-777A-854B-BE2C-AAEBA2FE085F}" type="datetimeFigureOut">
               <a:rPr lang="en-US" smtClean="0"/>
-              <a:t>4/26/2017</a:t>
+              <a:t>4/30/2017</a:t>
             </a:fld>
             <a:endParaRPr lang="en-US"/>
           </a:p>
@@ -484,7 +1015,7 @@
           <a:p>
             <a:fld id="{372A63DC-777A-854B-BE2C-AAEBA2FE085F}" type="datetimeFigureOut">
               <a:rPr lang="en-US" smtClean="0"/>
-              <a:t>4/26/2017</a:t>
+              <a:t>4/30/2017</a:t>
             </a:fld>
             <a:endParaRPr lang="en-US"/>
           </a:p>
@@ -664,7 +1195,7 @@
           <a:p>
             <a:fld id="{372A63DC-777A-854B-BE2C-AAEBA2FE085F}" type="datetimeFigureOut">
               <a:rPr lang="en-US" smtClean="0"/>
-              <a:t>4/26/2017</a:t>
+              <a:t>4/30/2017</a:t>
             </a:fld>
             <a:endParaRPr lang="en-US"/>
           </a:p>
@@ -869,7 +1400,7 @@
           <a:p>
             <a:fld id="{372A63DC-777A-854B-BE2C-AAEBA2FE085F}" type="datetimeFigureOut">
               <a:rPr lang="en-US" smtClean="0"/>
-              <a:t>4/26/2017</a:t>
+              <a:t>4/30/2017</a:t>
             </a:fld>
             <a:endParaRPr lang="en-US"/>
           </a:p>
@@ -1115,7 +1646,7 @@
           <a:p>
             <a:fld id="{372A63DC-777A-854B-BE2C-AAEBA2FE085F}" type="datetimeFigureOut">
               <a:rPr lang="en-US" smtClean="0"/>
-              <a:t>4/26/2017</a:t>
+              <a:t>4/30/2017</a:t>
             </a:fld>
             <a:endParaRPr lang="en-US"/>
           </a:p>
@@ -1403,7 +1934,7 @@
           <a:p>
             <a:fld id="{372A63DC-777A-854B-BE2C-AAEBA2FE085F}" type="datetimeFigureOut">
               <a:rPr lang="en-US" smtClean="0"/>
-              <a:t>4/26/2017</a:t>
+              <a:t>4/30/2017</a:t>
             </a:fld>
             <a:endParaRPr lang="en-US"/>
           </a:p>
@@ -1860,7 +2391,7 @@
           <a:p>
             <a:fld id="{372A63DC-777A-854B-BE2C-AAEBA2FE085F}" type="datetimeFigureOut">
               <a:rPr lang="en-US" smtClean="0"/>
-              <a:t>4/26/2017</a:t>
+              <a:t>4/30/2017</a:t>
             </a:fld>
             <a:endParaRPr lang="en-US"/>
           </a:p>
@@ -1978,7 +2509,7 @@
           <a:p>
             <a:fld id="{372A63DC-777A-854B-BE2C-AAEBA2FE085F}" type="datetimeFigureOut">
               <a:rPr lang="en-US" smtClean="0"/>
-              <a:t>4/26/2017</a:t>
+              <a:t>4/30/2017</a:t>
             </a:fld>
             <a:endParaRPr lang="en-US"/>
           </a:p>
@@ -2073,7 +2604,7 @@
           <a:p>
             <a:fld id="{372A63DC-777A-854B-BE2C-AAEBA2FE085F}" type="datetimeFigureOut">
               <a:rPr lang="en-US" smtClean="0"/>
-              <a:t>4/26/2017</a:t>
+              <a:t>4/30/2017</a:t>
             </a:fld>
             <a:endParaRPr lang="en-US"/>
           </a:p>
@@ -2350,7 +2881,7 @@
           <a:p>
             <a:fld id="{372A63DC-777A-854B-BE2C-AAEBA2FE085F}" type="datetimeFigureOut">
               <a:rPr lang="en-US" smtClean="0"/>
-              <a:t>4/26/2017</a:t>
+              <a:t>4/30/2017</a:t>
             </a:fld>
             <a:endParaRPr lang="en-US"/>
           </a:p>
@@ -2603,7 +3134,7 @@
           <a:p>
             <a:fld id="{372A63DC-777A-854B-BE2C-AAEBA2FE085F}" type="datetimeFigureOut">
               <a:rPr lang="en-US" smtClean="0"/>
-              <a:t>4/26/2017</a:t>
+              <a:t>4/30/2017</a:t>
             </a:fld>
             <a:endParaRPr lang="en-US"/>
           </a:p>
@@ -2816,7 +3347,7 @@
           <a:p>
             <a:fld id="{372A63DC-777A-854B-BE2C-AAEBA2FE085F}" type="datetimeFigureOut">
               <a:rPr lang="en-US" smtClean="0"/>
-              <a:t>4/26/2017</a:t>
+              <a:t>4/30/2017</a:t>
             </a:fld>
             <a:endParaRPr lang="en-US"/>
           </a:p>
@@ -3569,28 +4100,17 @@
             <p:ph type="title"/>
           </p:nvPr>
         </p:nvSpPr>
-        <p:spPr>
-          <a:solidFill>
-            <a:srgbClr val="FFFFFF"/>
-          </a:solidFill>
-        </p:spPr>
+        <p:spPr/>
         <p:txBody>
           <a:bodyPr/>
           <a:lstStyle/>
           <a:p>
-            <a:r>
-              <a:rPr lang="en-US" b="1" dirty="0" smtClean="0">
-                <a:solidFill>
-                  <a:srgbClr val="1F497D"/>
-                </a:solidFill>
-              </a:rPr>
-              <a:t>Conclusion</a:t>
-            </a:r>
-            <a:endParaRPr lang="en-US" b="1" dirty="0">
-              <a:solidFill>
-                <a:srgbClr val="1F497D"/>
-              </a:solidFill>
-            </a:endParaRPr>
+            <a:pPr algn="ctr"/>
+            <a:r>
+              <a:rPr lang="en-US" altLang="en-US" b="1" dirty="0"/>
+              <a:t>Carbon Monoxide - CO</a:t>
+            </a:r>
+            <a:endParaRPr lang="en-US" dirty="0"/>
           </a:p>
         </p:txBody>
       </p:sp>
@@ -3606,42 +4126,30 @@
         </p:nvSpPr>
         <p:spPr/>
         <p:txBody>
-          <a:bodyPr>
-            <a:normAutofit/>
-          </a:bodyPr>
-          <a:lstStyle/>
-          <a:p>
-            <a:r>
-              <a:rPr lang="en-US" sz="2400" b="1" u="sng" dirty="0" smtClean="0"/>
-              <a:t>Results</a:t>
-            </a:r>
-            <a:r>
-              <a:rPr lang="en-US" sz="2400" dirty="0" smtClean="0"/>
-              <a:t>: From the pollution data set, the program could make a binary prediction of next week’s pollution forecast (safe or unsafe) based on the historical data provided. Accuracy rate is 0.68 based on the test data. </a:t>
-            </a:r>
-          </a:p>
-          <a:p>
-            <a:r>
-              <a:rPr lang="en-US" sz="2400" b="1" u="sng" dirty="0" smtClean="0"/>
-              <a:t>Future work</a:t>
-            </a:r>
-            <a:r>
-              <a:rPr lang="en-US" sz="2400" dirty="0" smtClean="0"/>
-              <a:t>: using Logistic Regression Analysis on the dataset or other methods.</a:t>
-            </a:r>
-          </a:p>
-          <a:p>
-            <a:r>
-              <a:rPr lang="en-US" sz="2400" b="1" u="sng" dirty="0" smtClean="0"/>
-              <a:t>Use</a:t>
-            </a:r>
-            <a:r>
-              <a:rPr lang="en-US" sz="2400" dirty="0" smtClean="0"/>
-              <a:t>: </a:t>
-            </a:r>
-            <a:r>
-              <a:rPr lang="en-US" sz="2400" dirty="0" smtClean="0"/>
-              <a:t>This would be useful for city planners to determine where are hot spots of pollution within a city and could determine where not to build a school.</a:t>
+          <a:bodyPr/>
+          <a:lstStyle/>
+          <a:p>
+            <a:r>
+              <a:rPr lang="en-US" altLang="en-US" b="1" dirty="0"/>
+              <a:t>Colorless, odorless gas</a:t>
+            </a:r>
+          </a:p>
+          <a:p>
+            <a:r>
+              <a:rPr lang="en-US" altLang="en-US" b="1" dirty="0"/>
+              <a:t>Primary pollutant, emitted by incomplete combustion of biomass or fossil fuels</a:t>
+            </a:r>
+          </a:p>
+          <a:p>
+            <a:r>
+              <a:rPr lang="en-US" altLang="en-US" b="1" dirty="0"/>
+              <a:t>Binds strongly with hemoglobin, displacing oxygen</a:t>
+            </a:r>
+          </a:p>
+          <a:p>
+            <a:r>
+              <a:rPr lang="en-US" altLang="en-US" b="1" dirty="0"/>
+              <a:t>Emissions reduction by higher temperature combustion and use of catalytic converters on motor vehicles</a:t>
             </a:r>
           </a:p>
           <a:p>
@@ -3652,20 +4160,13 @@
     </p:spTree>
     <p:extLst>
       <p:ext uri="{BB962C8B-B14F-4D97-AF65-F5344CB8AC3E}">
-        <p14:creationId xmlns:p14="http://schemas.microsoft.com/office/powerpoint/2010/main" val="2105829759"/>
+        <p14:creationId xmlns:p14="http://schemas.microsoft.com/office/powerpoint/2010/main" val="54900643"/>
       </p:ext>
     </p:extLst>
   </p:cSld>
   <p:clrMapOvr>
     <a:masterClrMapping/>
   </p:clrMapOvr>
-  <p:timing>
-    <p:tnLst>
-      <p:par>
-        <p:cTn id="1" dur="indefinite" restart="never" nodeType="tmRoot"/>
-      </p:par>
-    </p:tnLst>
-  </p:timing>
 </p:sld>
 </file>
 
@@ -3696,28 +4197,17 @@
             <p:ph type="title"/>
           </p:nvPr>
         </p:nvSpPr>
-        <p:spPr>
-          <a:solidFill>
-            <a:srgbClr val="FFFFFF"/>
-          </a:solidFill>
-        </p:spPr>
+        <p:spPr/>
         <p:txBody>
           <a:bodyPr/>
           <a:lstStyle/>
           <a:p>
-            <a:r>
-              <a:rPr lang="en-US" b="1" dirty="0" smtClean="0">
-                <a:solidFill>
-                  <a:srgbClr val="1F497D"/>
-                </a:solidFill>
-              </a:rPr>
-              <a:t>Quiz for Your Classmates</a:t>
-            </a:r>
-            <a:endParaRPr lang="en-US" b="1" dirty="0">
-              <a:solidFill>
-                <a:srgbClr val="1F497D"/>
-              </a:solidFill>
-            </a:endParaRPr>
+            <a:pPr algn="ctr"/>
+            <a:r>
+              <a:rPr lang="en-US" altLang="en-US" b="1" dirty="0"/>
+              <a:t>Particulate Matter - PM</a:t>
+            </a:r>
+            <a:endParaRPr lang="en-US" dirty="0"/>
           </a:p>
         </p:txBody>
       </p:sp>
@@ -3733,111 +4223,59 @@
         </p:nvSpPr>
         <p:spPr/>
         <p:txBody>
-          <a:bodyPr/>
-          <a:lstStyle/>
-          <a:p>
-            <a:r>
-              <a:rPr lang="en-US" dirty="0" smtClean="0">
-                <a:solidFill>
-                  <a:srgbClr val="1F497D"/>
-                </a:solidFill>
-              </a:rPr>
-              <a:t>What statistical method was used?</a:t>
-            </a:r>
-          </a:p>
-          <a:p>
-            <a:pPr marL="0" indent="0">
-              <a:buNone/>
-            </a:pPr>
-            <a:endParaRPr lang="en-US" dirty="0" smtClean="0">
-              <a:solidFill>
-                <a:srgbClr val="1F497D"/>
-              </a:solidFill>
-            </a:endParaRPr>
-          </a:p>
-          <a:p>
-            <a:r>
-              <a:rPr lang="en-US" dirty="0" smtClean="0">
-                <a:solidFill>
-                  <a:srgbClr val="1F497D"/>
-                </a:solidFill>
-              </a:rPr>
-              <a:t>What programming tool was used?</a:t>
-            </a:r>
-          </a:p>
-          <a:p>
-            <a:pPr marL="0" indent="0">
-              <a:buNone/>
-            </a:pPr>
-            <a:endParaRPr lang="en-US" dirty="0" smtClean="0">
-              <a:solidFill>
-                <a:srgbClr val="1F497D"/>
-              </a:solidFill>
-            </a:endParaRPr>
-          </a:p>
-          <a:p>
-            <a:r>
-              <a:rPr lang="en-US" dirty="0" smtClean="0">
-                <a:solidFill>
-                  <a:srgbClr val="1F497D"/>
-                </a:solidFill>
-              </a:rPr>
-              <a:t>What scientific contribution was made?</a:t>
-            </a:r>
-          </a:p>
-          <a:p>
-            <a:endParaRPr lang="en-US" dirty="0">
-              <a:solidFill>
-                <a:srgbClr val="1F497D"/>
-              </a:solidFill>
-            </a:endParaRPr>
-          </a:p>
-          <a:p>
-            <a:r>
-              <a:rPr lang="en-US" dirty="0" smtClean="0">
-                <a:solidFill>
-                  <a:srgbClr val="1F497D"/>
-                </a:solidFill>
-              </a:rPr>
-              <a:t>What idea could be useful for </a:t>
-            </a:r>
-            <a:r>
-              <a:rPr lang="en-US" smtClean="0">
-                <a:solidFill>
-                  <a:srgbClr val="1F497D"/>
-                </a:solidFill>
-              </a:rPr>
-              <a:t>your project?</a:t>
-            </a:r>
-            <a:endParaRPr lang="en-US" dirty="0">
-              <a:solidFill>
-                <a:srgbClr val="1F497D"/>
-              </a:solidFill>
-            </a:endParaRPr>
+          <a:bodyPr>
+            <a:normAutofit lnSpcReduction="10000"/>
+          </a:bodyPr>
+          <a:lstStyle/>
+          <a:p>
+            <a:r>
+              <a:rPr lang="en-US" altLang="en-US" b="1" dirty="0"/>
+              <a:t>Products of combustion, atmospheric reactions, and mechanical processes</a:t>
+            </a:r>
+          </a:p>
+          <a:p>
+            <a:r>
+              <a:rPr lang="en-US" altLang="en-US" b="1" dirty="0"/>
+              <a:t>Wide range of particle sizes</a:t>
+            </a:r>
+          </a:p>
+          <a:p>
+            <a:r>
+              <a:rPr lang="en-US" altLang="en-US" b="1" dirty="0"/>
+              <a:t>Wide range of physical/chemical properties</a:t>
+            </a:r>
+          </a:p>
+          <a:p>
+            <a:r>
+              <a:rPr lang="en-US" altLang="en-US" b="1" dirty="0"/>
+              <a:t>Wide range of health impacts, including premature death</a:t>
+            </a:r>
+          </a:p>
+          <a:p>
+            <a:r>
+              <a:rPr lang="en-US" altLang="en-US" b="1" dirty="0"/>
+              <a:t>Control by filtration, electrostatic precipitation, and reduction of precursor gases</a:t>
+            </a:r>
+          </a:p>
+          <a:p>
+            <a:endParaRPr lang="en-US" dirty="0"/>
           </a:p>
         </p:txBody>
       </p:sp>
     </p:spTree>
     <p:extLst>
       <p:ext uri="{BB962C8B-B14F-4D97-AF65-F5344CB8AC3E}">
-        <p14:creationId xmlns:p14="http://schemas.microsoft.com/office/powerpoint/2010/main" val="786840279"/>
+        <p14:creationId xmlns:p14="http://schemas.microsoft.com/office/powerpoint/2010/main" val="3597556492"/>
       </p:ext>
     </p:extLst>
   </p:cSld>
   <p:clrMapOvr>
     <a:masterClrMapping/>
   </p:clrMapOvr>
-  <p:timing>
-    <p:tnLst>
-      <p:par>
-        <p:cTn id="1" dur="indefinite" restart="never" nodeType="tmRoot"/>
-      </p:par>
-    </p:tnLst>
-  </p:timing>
 </p:sld>
 </file>
 
-<file path=ppt/slides/slide2.xml><?xml version="1.0" encoding="utf-8"?>
+<file path=ppt/slides/slide12.xml><?xml version="1.0" encoding="utf-8"?>
 <p:sld xmlns:a="http://schemas.openxmlformats.org/drawingml/2006/main" xmlns:r="http://schemas.openxmlformats.org/officeDocument/2006/relationships" xmlns:p="http://schemas.openxmlformats.org/presentationml/2006/main">
   <p:cSld>
     <p:spTree>
@@ -3864,11 +4302,7 @@
             <p:ph type="title"/>
           </p:nvPr>
         </p:nvSpPr>
-        <p:spPr>
-          <a:solidFill>
-            <a:srgbClr val="FFFFFF"/>
-          </a:solidFill>
-        </p:spPr>
+        <p:spPr/>
         <p:txBody>
           <a:bodyPr>
             <a:normAutofit fontScale="90000"/>
@@ -3876,1065 +4310,51 @@
           <a:lstStyle/>
           <a:p>
             <a:r>
-              <a:rPr lang="en-US" b="1" dirty="0" smtClean="0">
-                <a:solidFill>
-                  <a:srgbClr val="1F497D"/>
-                </a:solidFill>
-              </a:rPr>
-              <a:t>Contribution of Competitor’s Article</a:t>
-            </a:r>
-            <a:endParaRPr lang="en-US" b="1" dirty="0">
-              <a:solidFill>
-                <a:srgbClr val="1F497D"/>
-              </a:solidFill>
-            </a:endParaRPr>
-          </a:p>
-        </p:txBody>
-      </p:sp>
-      <p:sp>
-        <p:nvSpPr>
-          <p:cNvPr id="3" name="Content Placeholder 2"/>
-          <p:cNvSpPr>
-            <a:spLocks noGrp="1"/>
-          </p:cNvSpPr>
-          <p:nvPr>
-            <p:ph idx="1"/>
-          </p:nvPr>
-        </p:nvSpPr>
-        <p:spPr/>
-        <p:txBody>
-          <a:bodyPr>
-            <a:normAutofit fontScale="85000" lnSpcReduction="20000"/>
-          </a:bodyPr>
-          <a:lstStyle/>
-          <a:p>
-            <a:pPr marL="0" indent="0">
-              <a:buNone/>
-            </a:pPr>
-            <a:r>
-              <a:rPr lang="en-US" sz="2000" i="1" u="sng" dirty="0" smtClean="0"/>
-              <a:t>Title</a:t>
-            </a:r>
-            <a:r>
-              <a:rPr lang="en-US" sz="2000" u="sng" dirty="0" smtClean="0"/>
-              <a:t>:</a:t>
-            </a:r>
-            <a:r>
-              <a:rPr lang="en-US" sz="2000" dirty="0" smtClean="0"/>
-              <a:t> Particulate </a:t>
-            </a:r>
-            <a:r>
-              <a:rPr lang="en-US" sz="2000" dirty="0"/>
-              <a:t>air pollution as a predictor of mortality in a prospective study </a:t>
-            </a:r>
-            <a:r>
-              <a:rPr lang="en-US" sz="2000" dirty="0" smtClean="0"/>
-              <a:t>of US adults. </a:t>
-            </a:r>
-          </a:p>
-          <a:p>
-            <a:pPr marL="0" indent="0">
-              <a:buNone/>
-            </a:pPr>
-            <a:endParaRPr lang="en-US" sz="2000" i="1" u="sng" dirty="0" smtClean="0"/>
-          </a:p>
-          <a:p>
-            <a:pPr marL="0" indent="0">
-              <a:buNone/>
-            </a:pPr>
-            <a:r>
-              <a:rPr lang="en-US" sz="2000" i="1" u="sng" dirty="0" smtClean="0"/>
-              <a:t>Authors:</a:t>
-            </a:r>
-            <a:r>
-              <a:rPr lang="en-US" sz="2000" i="1" dirty="0" smtClean="0"/>
-              <a:t> </a:t>
-            </a:r>
-            <a:r>
-              <a:rPr lang="en-US" sz="1800" dirty="0"/>
-              <a:t>CA Pope III, MJ Thun, Mohan M </a:t>
-            </a:r>
-            <a:r>
-              <a:rPr lang="en-US" sz="1800" dirty="0" err="1"/>
-              <a:t>Namboodiri</a:t>
-            </a:r>
-            <a:r>
-              <a:rPr lang="en-US" sz="1800" dirty="0"/>
-              <a:t>, DW Dockery, JS Evans, FE </a:t>
-            </a:r>
-            <a:r>
-              <a:rPr lang="en-US" sz="1800" dirty="0" err="1"/>
-              <a:t>Speizer</a:t>
-            </a:r>
-            <a:r>
-              <a:rPr lang="en-US" sz="1800" dirty="0"/>
-              <a:t>, CW Heath Jr</a:t>
-            </a:r>
-            <a:endParaRPr lang="en-US" sz="2000" i="1" u="sng" dirty="0" smtClean="0"/>
-          </a:p>
-          <a:p>
-            <a:pPr marL="0" indent="0">
-              <a:buNone/>
-            </a:pPr>
-            <a:endParaRPr lang="en-US" sz="2000" i="1" u="sng" dirty="0" smtClean="0"/>
-          </a:p>
-          <a:p>
-            <a:pPr marL="0" indent="0">
-              <a:buNone/>
-            </a:pPr>
-            <a:r>
-              <a:rPr lang="en-US" sz="2000" i="1" u="sng" dirty="0" smtClean="0"/>
-              <a:t>Methods</a:t>
-            </a:r>
-            <a:r>
-              <a:rPr lang="en-US" sz="2000" u="sng" dirty="0" smtClean="0"/>
-              <a:t>:</a:t>
-            </a:r>
-            <a:r>
-              <a:rPr lang="en-US" sz="2000" dirty="0" smtClean="0"/>
-              <a:t> Uses Time-series</a:t>
-            </a:r>
-            <a:r>
-              <a:rPr lang="en-US" sz="2000" dirty="0"/>
-              <a:t>, cross-sectional, and </a:t>
-            </a:r>
-            <a:r>
-              <a:rPr lang="en-US" sz="2000" dirty="0" smtClean="0"/>
-              <a:t>other studies using between mortality and </a:t>
-            </a:r>
-            <a:r>
-              <a:rPr lang="en-US" sz="2000" dirty="0"/>
-              <a:t>particulate air </a:t>
-            </a:r>
-            <a:r>
-              <a:rPr lang="en-US" sz="2000" dirty="0" smtClean="0"/>
-              <a:t>pollution</a:t>
-            </a:r>
-          </a:p>
-          <a:p>
-            <a:pPr marL="0" indent="0">
-              <a:buNone/>
-            </a:pPr>
-            <a:endParaRPr lang="en-US" sz="2000" i="1" u="sng" dirty="0" smtClean="0"/>
-          </a:p>
-          <a:p>
-            <a:pPr marL="0" indent="0">
-              <a:buNone/>
-            </a:pPr>
-            <a:r>
-              <a:rPr lang="en-US" sz="2000" i="1" u="sng" dirty="0" smtClean="0"/>
-              <a:t>Data</a:t>
-            </a:r>
-            <a:r>
-              <a:rPr lang="en-US" sz="2000" u="sng" dirty="0"/>
-              <a:t>:</a:t>
-            </a:r>
-            <a:r>
-              <a:rPr lang="en-US" sz="2000" dirty="0"/>
-              <a:t> Deaths were ascertained through December, 1989.</a:t>
-            </a:r>
-          </a:p>
-          <a:p>
-            <a:pPr marL="0" indent="0">
-              <a:buNone/>
-            </a:pPr>
-            <a:r>
-              <a:rPr lang="en-US" sz="2000" dirty="0"/>
-              <a:t>Exposure to sulfate and fine particulate air pollution, which is primarily from fossil fuel combustion, was estimated from national data bases</a:t>
-            </a:r>
-            <a:r>
-              <a:rPr lang="en-US" sz="2000" dirty="0" smtClean="0"/>
-              <a:t>.</a:t>
-            </a:r>
-          </a:p>
-          <a:p>
-            <a:pPr marL="0" indent="0">
-              <a:buNone/>
-            </a:pPr>
-            <a:endParaRPr lang="en-US" sz="2000" dirty="0"/>
-          </a:p>
-          <a:p>
-            <a:pPr marL="0" indent="0">
-              <a:buNone/>
-            </a:pPr>
-            <a:r>
-              <a:rPr lang="en-US" sz="2000" u="sng" dirty="0" smtClean="0"/>
-              <a:t>Summary</a:t>
-            </a:r>
-            <a:r>
-              <a:rPr lang="en-US" sz="2000" dirty="0" smtClean="0"/>
-              <a:t>: </a:t>
-            </a:r>
-            <a:r>
-              <a:rPr lang="en-US" sz="2000" dirty="0"/>
-              <a:t>US adults found significant associations between</a:t>
-            </a:r>
-          </a:p>
-          <a:p>
-            <a:pPr marL="0" indent="0">
-              <a:buNone/>
-            </a:pPr>
-            <a:r>
-              <a:rPr lang="en-US" sz="2000" dirty="0"/>
-              <a:t>lifetime exposures to </a:t>
-            </a:r>
-            <a:r>
-              <a:rPr lang="en-US" sz="2000" dirty="0"/>
-              <a:t>S</a:t>
-            </a:r>
-            <a:r>
-              <a:rPr lang="en-US" sz="2000" dirty="0" smtClean="0"/>
-              <a:t>ulphate </a:t>
-            </a:r>
-            <a:r>
-              <a:rPr lang="en-US" sz="2000" dirty="0"/>
-              <a:t>aerosols and fine </a:t>
-            </a:r>
-            <a:r>
-              <a:rPr lang="en-US" sz="2000" dirty="0" smtClean="0"/>
-              <a:t>particles, as </a:t>
-            </a:r>
-            <a:r>
-              <a:rPr lang="en-US" sz="2000" dirty="0"/>
-              <a:t>judged by community air pollution data, and </a:t>
-            </a:r>
-            <a:r>
-              <a:rPr lang="en-US" sz="2000" dirty="0" smtClean="0"/>
-              <a:t>some causes </a:t>
-            </a:r>
-            <a:r>
-              <a:rPr lang="en-US" sz="2000" dirty="0"/>
-              <a:t>of mortality</a:t>
-            </a:r>
-            <a:r>
-              <a:rPr lang="en-US" sz="2000" dirty="0" smtClean="0"/>
-              <a:t>.</a:t>
-            </a:r>
-          </a:p>
-          <a:p>
-            <a:pPr marL="0" indent="0">
-              <a:buNone/>
-            </a:pPr>
-            <a:endParaRPr lang="en-US" sz="2000" dirty="0" smtClean="0"/>
-          </a:p>
-          <a:p>
-            <a:pPr marL="0" indent="0">
-              <a:buNone/>
-            </a:pPr>
-            <a:r>
-              <a:rPr lang="en-US" sz="2000" u="sng" dirty="0"/>
-              <a:t>Conclusion</a:t>
-            </a:r>
-            <a:r>
-              <a:rPr lang="en-US" sz="2000" dirty="0"/>
-              <a:t>: It reinforced earlier findings of significant associations, on a daily basis, between exposures to fine particles and mortality, and </a:t>
-            </a:r>
-            <a:r>
-              <a:rPr lang="en-US" sz="2000" dirty="0" smtClean="0"/>
-              <a:t>showed that </a:t>
-            </a:r>
-            <a:r>
-              <a:rPr lang="en-US" sz="2000" dirty="0"/>
-              <a:t>cardiopulmonary and lung cancer mortality were significantly related to particulate air pollutants.</a:t>
-            </a:r>
-            <a:endParaRPr lang="en-US" sz="2000" dirty="0" smtClean="0"/>
-          </a:p>
-          <a:p>
-            <a:pPr marL="0" indent="0">
-              <a:buNone/>
-            </a:pPr>
-            <a:endParaRPr lang="en-US" sz="2400" dirty="0"/>
-          </a:p>
-        </p:txBody>
-      </p:sp>
+              <a:rPr lang="en-US" dirty="0" smtClean="0"/>
+              <a:t>Competitors focus on Urban and Rural </a:t>
+            </a:r>
+            <a:endParaRPr lang="en-US" dirty="0"/>
+          </a:p>
+        </p:txBody>
+      </p:sp>
+      <p:pic>
+        <p:nvPicPr>
+          <p:cNvPr id="4" name="Picture 3"/>
+          <p:cNvPicPr>
+            <a:picLocks noChangeAspect="1"/>
+          </p:cNvPicPr>
+          <p:nvPr/>
+        </p:nvPicPr>
+        <p:blipFill>
+          <a:blip r:embed="rId2"/>
+          <a:stretch>
+            <a:fillRect/>
+          </a:stretch>
+        </p:blipFill>
+        <p:spPr>
+          <a:xfrm>
+            <a:off x="1137425" y="2392267"/>
+            <a:ext cx="6197290" cy="2953784"/>
+          </a:xfrm>
+          <a:prstGeom prst="rect">
+            <a:avLst/>
+          </a:prstGeom>
+        </p:spPr>
+      </p:pic>
     </p:spTree>
     <p:extLst>
       <p:ext uri="{BB962C8B-B14F-4D97-AF65-F5344CB8AC3E}">
-        <p14:creationId xmlns:p14="http://schemas.microsoft.com/office/powerpoint/2010/main" val="340408153"/>
+        <p14:creationId xmlns:p14="http://schemas.microsoft.com/office/powerpoint/2010/main" val="2517010853"/>
       </p:ext>
     </p:extLst>
   </p:cSld>
   <p:clrMapOvr>
     <a:masterClrMapping/>
   </p:clrMapOvr>
-  <p:timing>
-    <p:tnLst>
-      <p:par>
-        <p:cTn id="1" dur="indefinite" restart="never" nodeType="tmRoot"/>
-      </p:par>
-    </p:tnLst>
-  </p:timing>
 </p:sld>
 </file>
 
-<file path=ppt/slides/slide3.xml><?xml version="1.0" encoding="utf-8"?>
-<p:sld xmlns:a="http://schemas.openxmlformats.org/drawingml/2006/main" xmlns:r="http://schemas.openxmlformats.org/officeDocument/2006/relationships" xmlns:p="http://schemas.openxmlformats.org/presentationml/2006/main">
-  <p:cSld>
-    <p:spTree>
-      <p:nvGrpSpPr>
-        <p:cNvPr id="1" name=""/>
-        <p:cNvGrpSpPr/>
-        <p:nvPr/>
-      </p:nvGrpSpPr>
-      <p:grpSpPr>
-        <a:xfrm>
-          <a:off x="0" y="0"/>
-          <a:ext cx="0" cy="0"/>
-          <a:chOff x="0" y="0"/>
-          <a:chExt cx="0" cy="0"/>
-        </a:xfrm>
-      </p:grpSpPr>
-      <p:sp>
-        <p:nvSpPr>
-          <p:cNvPr id="2" name="Title 1"/>
-          <p:cNvSpPr>
-            <a:spLocks noGrp="1"/>
-          </p:cNvSpPr>
-          <p:nvPr>
-            <p:ph type="title"/>
-          </p:nvPr>
-        </p:nvSpPr>
-        <p:spPr>
-          <a:solidFill>
-            <a:srgbClr val="FFFFFF"/>
-          </a:solidFill>
-        </p:spPr>
-        <p:txBody>
-          <a:bodyPr>
-            <a:normAutofit fontScale="90000"/>
-          </a:bodyPr>
-          <a:lstStyle/>
-          <a:p>
-            <a:r>
-              <a:rPr lang="en-US" b="1" dirty="0" smtClean="0">
-                <a:solidFill>
-                  <a:srgbClr val="1F497D"/>
-                </a:solidFill>
-              </a:rPr>
-              <a:t>Description of Your Contribution</a:t>
-            </a:r>
-            <a:endParaRPr lang="en-US" b="1" dirty="0">
-              <a:solidFill>
-                <a:srgbClr val="1F497D"/>
-              </a:solidFill>
-            </a:endParaRPr>
-          </a:p>
-        </p:txBody>
-      </p:sp>
-      <p:sp>
-        <p:nvSpPr>
-          <p:cNvPr id="3" name="Content Placeholder 2"/>
-          <p:cNvSpPr>
-            <a:spLocks noGrp="1"/>
-          </p:cNvSpPr>
-          <p:nvPr>
-            <p:ph idx="1"/>
-          </p:nvPr>
-        </p:nvSpPr>
-        <p:spPr/>
-        <p:txBody>
-          <a:bodyPr>
-            <a:normAutofit lnSpcReduction="10000"/>
-          </a:bodyPr>
-          <a:lstStyle/>
-          <a:p>
-            <a:r>
-              <a:rPr lang="en-US" sz="2800" dirty="0" smtClean="0"/>
-              <a:t>Using Time Series Analysis to make a prediction from historical data supplied from sensor data.</a:t>
-            </a:r>
-          </a:p>
-          <a:p>
-            <a:r>
-              <a:rPr lang="en-US" sz="2800" dirty="0" smtClean="0"/>
-              <a:t>From the aggregated dataset, separate the time into 3 categories: Morning (6am to 2pm), Midday (2pm to 10pm) and Night (10pm to 6am) from one sensor station.</a:t>
-            </a:r>
-          </a:p>
-          <a:p>
-            <a:r>
-              <a:rPr lang="en-US" sz="2800" dirty="0" smtClean="0"/>
-              <a:t>Build a program to create a binary prediction (one week forward).</a:t>
-            </a:r>
-          </a:p>
-          <a:p>
-            <a:r>
-              <a:rPr lang="en-US" sz="2800" dirty="0" smtClean="0"/>
-              <a:t>Create a visualization that can be easy to understand to the general public </a:t>
-            </a:r>
-          </a:p>
-          <a:p>
-            <a:endParaRPr lang="en-US" sz="2800" dirty="0" smtClean="0"/>
-          </a:p>
-          <a:p>
-            <a:endParaRPr lang="en-US" sz="2800" dirty="0"/>
-          </a:p>
-        </p:txBody>
-      </p:sp>
-    </p:spTree>
-    <p:extLst>
-      <p:ext uri="{BB962C8B-B14F-4D97-AF65-F5344CB8AC3E}">
-        <p14:creationId xmlns:p14="http://schemas.microsoft.com/office/powerpoint/2010/main" val="646432010"/>
-      </p:ext>
-    </p:extLst>
-  </p:cSld>
-  <p:clrMapOvr>
-    <a:masterClrMapping/>
-  </p:clrMapOvr>
-  <p:timing>
-    <p:tnLst>
-      <p:par>
-        <p:cTn id="1" dur="indefinite" restart="never" nodeType="tmRoot"/>
-      </p:par>
-    </p:tnLst>
-  </p:timing>
-</p:sld>
-</file>
-
-<file path=ppt/slides/slide4.xml><?xml version="1.0" encoding="utf-8"?>
-<p:sld xmlns:a="http://schemas.openxmlformats.org/drawingml/2006/main" xmlns:r="http://schemas.openxmlformats.org/officeDocument/2006/relationships" xmlns:p="http://schemas.openxmlformats.org/presentationml/2006/main">
-  <p:cSld>
-    <p:bg>
-      <p:bgPr>
-        <a:solidFill>
-          <a:schemeClr val="bg1">
-            <a:alpha val="99000"/>
-          </a:schemeClr>
-        </a:solidFill>
-        <a:effectLst/>
-      </p:bgPr>
-    </p:bg>
-    <p:spTree>
-      <p:nvGrpSpPr>
-        <p:cNvPr id="1" name=""/>
-        <p:cNvGrpSpPr/>
-        <p:nvPr/>
-      </p:nvGrpSpPr>
-      <p:grpSpPr>
-        <a:xfrm>
-          <a:off x="0" y="0"/>
-          <a:ext cx="0" cy="0"/>
-          <a:chOff x="0" y="0"/>
-          <a:chExt cx="0" cy="0"/>
-        </a:xfrm>
-      </p:grpSpPr>
-      <p:sp>
-        <p:nvSpPr>
-          <p:cNvPr id="2" name="Title 1"/>
-          <p:cNvSpPr>
-            <a:spLocks noGrp="1"/>
-          </p:cNvSpPr>
-          <p:nvPr>
-            <p:ph type="title"/>
-          </p:nvPr>
-        </p:nvSpPr>
-        <p:spPr>
-          <a:solidFill>
-            <a:srgbClr val="FFFFFF"/>
-          </a:solidFill>
-        </p:spPr>
-        <p:txBody>
-          <a:bodyPr/>
-          <a:lstStyle/>
-          <a:p>
-            <a:r>
-              <a:rPr lang="en-US" b="1" dirty="0" smtClean="0">
-                <a:solidFill>
-                  <a:srgbClr val="1F497D"/>
-                </a:solidFill>
-              </a:rPr>
-              <a:t>Data Source and Content</a:t>
-            </a:r>
-            <a:endParaRPr lang="en-US" b="1" dirty="0">
-              <a:solidFill>
-                <a:srgbClr val="1F497D"/>
-              </a:solidFill>
-            </a:endParaRPr>
-          </a:p>
-        </p:txBody>
-      </p:sp>
-      <p:pic>
-        <p:nvPicPr>
-          <p:cNvPr id="6" name="Content Placeholder 5"/>
-          <p:cNvPicPr>
-            <a:picLocks noGrp="1" noChangeAspect="1"/>
-          </p:cNvPicPr>
-          <p:nvPr>
-            <p:ph idx="1"/>
-          </p:nvPr>
-        </p:nvPicPr>
-        <p:blipFill>
-          <a:blip r:embed="rId2">
-            <a:extLst>
-              <a:ext uri="{28A0092B-C50C-407E-A947-70E740481C1C}">
-                <a14:useLocalDpi xmlns:a14="http://schemas.microsoft.com/office/drawing/2010/main" val="0"/>
-              </a:ext>
-            </a:extLst>
-          </a:blip>
-          <a:stretch>
-            <a:fillRect/>
-          </a:stretch>
-        </p:blipFill>
-        <p:spPr>
-          <a:xfrm>
-            <a:off x="1077936" y="3854718"/>
-            <a:ext cx="4116364" cy="2555651"/>
-          </a:xfrm>
-        </p:spPr>
-      </p:pic>
-      <p:sp>
-        <p:nvSpPr>
-          <p:cNvPr id="8" name="TextBox 7"/>
-          <p:cNvSpPr txBox="1"/>
-          <p:nvPr/>
-        </p:nvSpPr>
-        <p:spPr>
-          <a:xfrm>
-            <a:off x="1077937" y="1149179"/>
-            <a:ext cx="4512635" cy="2585323"/>
-          </a:xfrm>
-          <a:prstGeom prst="rect">
-            <a:avLst/>
-          </a:prstGeom>
-          <a:noFill/>
-        </p:spPr>
-        <p:txBody>
-          <a:bodyPr wrap="square" rtlCol="0">
-            <a:spAutoFit/>
-          </a:bodyPr>
-          <a:lstStyle/>
-          <a:p>
-            <a:r>
-              <a:rPr lang="en-US" u="sng" dirty="0" smtClean="0"/>
-              <a:t>Dataset supplied by</a:t>
-            </a:r>
-            <a:r>
-              <a:rPr lang="en-US" dirty="0"/>
-              <a:t>: http://iot.ee.surrey.ac.uk:8080/datasets.html</a:t>
-            </a:r>
-            <a:endParaRPr lang="en-US" dirty="0" smtClean="0"/>
-          </a:p>
-          <a:p>
-            <a:r>
-              <a:rPr lang="en-US" u="sng" dirty="0" smtClean="0"/>
-              <a:t>Variables</a:t>
-            </a:r>
-            <a:r>
-              <a:rPr lang="en-US" dirty="0" smtClean="0"/>
-              <a:t>: Carbon Monoxide, Particulate Matter, Sulfate Dioxide, Nitrogen Dioxide</a:t>
-            </a:r>
-          </a:p>
-          <a:p>
-            <a:r>
-              <a:rPr lang="en-US" u="sng" dirty="0"/>
-              <a:t>O</a:t>
-            </a:r>
-            <a:r>
-              <a:rPr lang="en-US" u="sng" dirty="0" smtClean="0"/>
-              <a:t>bservation points</a:t>
-            </a:r>
-            <a:r>
-              <a:rPr lang="en-US" dirty="0" smtClean="0"/>
-              <a:t>: ~449 </a:t>
-            </a:r>
-          </a:p>
-          <a:p>
-            <a:r>
-              <a:rPr lang="en-US" u="sng" dirty="0" smtClean="0"/>
-              <a:t>Location</a:t>
-            </a:r>
-            <a:r>
-              <a:rPr lang="en-US" dirty="0" smtClean="0"/>
-              <a:t>: </a:t>
-            </a:r>
-            <a:r>
-              <a:rPr lang="en-US" dirty="0"/>
-              <a:t>City of Brasov in Romania</a:t>
-            </a:r>
-            <a:endParaRPr lang="en-US" dirty="0" smtClean="0"/>
-          </a:p>
-          <a:p>
-            <a:r>
-              <a:rPr lang="en-US" u="sng" dirty="0" smtClean="0"/>
-              <a:t>Date Range</a:t>
-            </a:r>
-            <a:r>
-              <a:rPr lang="en-US" dirty="0" smtClean="0"/>
-              <a:t>: </a:t>
-            </a:r>
-            <a:r>
-              <a:rPr lang="en-US" dirty="0"/>
-              <a:t>August 2014 - October 2014  </a:t>
-            </a:r>
-            <a:endParaRPr lang="en-US" dirty="0" smtClean="0"/>
-          </a:p>
-          <a:p>
-            <a:r>
-              <a:rPr lang="en-US" u="sng" dirty="0" smtClean="0"/>
-              <a:t>Time cycles</a:t>
-            </a:r>
-            <a:r>
-              <a:rPr lang="en-US" dirty="0" smtClean="0"/>
-              <a:t>: 24hrs periods</a:t>
-            </a:r>
-            <a:endParaRPr lang="en-US" dirty="0"/>
-          </a:p>
-          <a:p>
-            <a:endParaRPr lang="en-US" dirty="0"/>
-          </a:p>
-        </p:txBody>
-      </p:sp>
-      <p:sp>
-        <p:nvSpPr>
-          <p:cNvPr id="9" name="TextBox 8"/>
-          <p:cNvSpPr txBox="1"/>
-          <p:nvPr/>
-        </p:nvSpPr>
-        <p:spPr>
-          <a:xfrm>
-            <a:off x="5745893" y="1152955"/>
-            <a:ext cx="2940908" cy="5170646"/>
-          </a:xfrm>
-          <a:prstGeom prst="rect">
-            <a:avLst/>
-          </a:prstGeom>
-          <a:noFill/>
-        </p:spPr>
-        <p:txBody>
-          <a:bodyPr wrap="square" rtlCol="0">
-            <a:spAutoFit/>
-          </a:bodyPr>
-          <a:lstStyle/>
-          <a:p>
-            <a:pPr algn="ctr"/>
-            <a:r>
-              <a:rPr lang="en-US" altLang="en-US" b="1" u="sng" dirty="0"/>
-              <a:t>Carbon Monoxide </a:t>
-            </a:r>
-            <a:r>
-              <a:rPr lang="en-US" altLang="en-US" b="1" u="sng" dirty="0" smtClean="0"/>
-              <a:t>– CO</a:t>
-            </a:r>
-          </a:p>
-          <a:p>
-            <a:pPr marL="171450" indent="-171450">
-              <a:buFont typeface="Courier New" panose="02070309020205020404" pitchFamily="49" charset="0"/>
-              <a:buChar char="o"/>
-            </a:pPr>
-            <a:r>
-              <a:rPr lang="en-US" altLang="en-US" sz="1200" b="1" dirty="0" smtClean="0"/>
-              <a:t>  Primary </a:t>
-            </a:r>
-            <a:r>
-              <a:rPr lang="en-US" altLang="en-US" sz="1200" b="1" dirty="0"/>
-              <a:t>pollutant, emitted by incomplete combustion of biomass or fossil fuels</a:t>
-            </a:r>
-          </a:p>
-          <a:p>
-            <a:pPr marL="171450" indent="-171450">
-              <a:buFont typeface="Courier New" panose="02070309020205020404" pitchFamily="49" charset="0"/>
-              <a:buChar char="o"/>
-            </a:pPr>
-            <a:r>
-              <a:rPr lang="en-US" altLang="en-US" sz="1200" b="1" dirty="0" smtClean="0"/>
-              <a:t>Emissions </a:t>
-            </a:r>
-            <a:r>
-              <a:rPr lang="en-US" altLang="en-US" sz="1200" b="1" dirty="0"/>
-              <a:t>reduction by higher temperature combustion and use of catalytic converters on motor </a:t>
-            </a:r>
-            <a:r>
-              <a:rPr lang="en-US" altLang="en-US" sz="1200" b="1" dirty="0" smtClean="0"/>
-              <a:t>vehicles</a:t>
-            </a:r>
-          </a:p>
-          <a:p>
-            <a:endParaRPr lang="en-US" altLang="en-US" sz="1200" b="1" dirty="0"/>
-          </a:p>
-          <a:p>
-            <a:pPr algn="ctr"/>
-            <a:r>
-              <a:rPr lang="en-US" altLang="en-US" b="1" u="sng" dirty="0" smtClean="0"/>
-              <a:t>Nitrogen Dioxide – NO</a:t>
-            </a:r>
-            <a:r>
-              <a:rPr lang="en-US" altLang="en-US" b="1" u="sng" baseline="-25000" dirty="0" smtClean="0"/>
-              <a:t>2</a:t>
-            </a:r>
-          </a:p>
-          <a:p>
-            <a:pPr marL="171450" indent="-171450">
-              <a:buFont typeface="Courier New" panose="02070309020205020404" pitchFamily="49" charset="0"/>
-              <a:buChar char="o"/>
-            </a:pPr>
-            <a:r>
-              <a:rPr lang="en-US" altLang="en-US" sz="1200" b="1" dirty="0" smtClean="0"/>
-              <a:t>  Formed </a:t>
-            </a:r>
-            <a:r>
-              <a:rPr lang="en-US" altLang="en-US" sz="1200" b="1" dirty="0"/>
-              <a:t>by oxidation of NO, which is produced with high temperature combustion (NO</a:t>
-            </a:r>
-            <a:r>
-              <a:rPr lang="en-US" altLang="en-US" sz="1200" b="1" baseline="-25000" dirty="0"/>
-              <a:t>2</a:t>
-            </a:r>
-            <a:r>
-              <a:rPr lang="en-US" altLang="en-US" sz="1200" b="1" dirty="0"/>
-              <a:t> is a secondary pollutant</a:t>
-            </a:r>
-            <a:r>
-              <a:rPr lang="en-US" altLang="en-US" sz="1200" b="1" dirty="0" smtClean="0"/>
-              <a:t>)</a:t>
-            </a:r>
-          </a:p>
-          <a:p>
-            <a:pPr marL="171450" indent="-171450">
-              <a:buFont typeface="Courier New" panose="02070309020205020404" pitchFamily="49" charset="0"/>
-              <a:buChar char="o"/>
-            </a:pPr>
-            <a:endParaRPr lang="en-US" altLang="en-US" sz="1200" b="1" dirty="0" smtClean="0"/>
-          </a:p>
-          <a:p>
-            <a:pPr algn="ctr"/>
-            <a:r>
-              <a:rPr lang="en-US" altLang="en-US" b="1" u="sng" dirty="0"/>
-              <a:t>Sulfur Dioxide – </a:t>
-            </a:r>
-            <a:r>
-              <a:rPr lang="en-US" altLang="en-US" b="1" u="sng" dirty="0" smtClean="0"/>
-              <a:t>SO</a:t>
-            </a:r>
-            <a:r>
-              <a:rPr lang="en-US" altLang="en-US" b="1" u="sng" baseline="-25000" dirty="0" smtClean="0"/>
-              <a:t>2</a:t>
-            </a:r>
-          </a:p>
-          <a:p>
-            <a:pPr marL="171450" indent="-171450">
-              <a:buFont typeface="Courier New" panose="02070309020205020404" pitchFamily="49" charset="0"/>
-              <a:buChar char="o"/>
-            </a:pPr>
-            <a:r>
-              <a:rPr lang="en-US" altLang="en-US" sz="1200" b="1" dirty="0" smtClean="0"/>
-              <a:t>  Primary </a:t>
-            </a:r>
-            <a:r>
-              <a:rPr lang="en-US" altLang="en-US" sz="1200" b="1" dirty="0"/>
-              <a:t>pollutant, emitted by combustion of fuels containing sulfur; also metal </a:t>
-            </a:r>
-            <a:r>
-              <a:rPr lang="en-US" altLang="en-US" sz="1200" b="1" dirty="0" smtClean="0"/>
-              <a:t>smelting</a:t>
-            </a:r>
-          </a:p>
-          <a:p>
-            <a:pPr marL="171450" indent="-171450">
-              <a:buFont typeface="Courier New" panose="02070309020205020404" pitchFamily="49" charset="0"/>
-              <a:buChar char="o"/>
-            </a:pPr>
-            <a:endParaRPr lang="en-US" altLang="en-US" sz="1200" b="1" dirty="0" smtClean="0"/>
-          </a:p>
-          <a:p>
-            <a:pPr algn="ctr"/>
-            <a:r>
-              <a:rPr lang="en-US" altLang="en-US" b="1" u="sng" dirty="0"/>
-              <a:t>Particulate Matter - </a:t>
-            </a:r>
-            <a:r>
-              <a:rPr lang="en-US" altLang="en-US" b="1" u="sng" dirty="0" smtClean="0"/>
-              <a:t>PM</a:t>
-            </a:r>
-            <a:endParaRPr lang="en-US" altLang="en-US" b="1" u="sng" baseline="-25000" dirty="0" smtClean="0"/>
-          </a:p>
-          <a:p>
-            <a:pPr marL="171450" indent="-171450">
-              <a:buFont typeface="Courier New" panose="02070309020205020404" pitchFamily="49" charset="0"/>
-              <a:buChar char="o"/>
-            </a:pPr>
-            <a:r>
-              <a:rPr lang="en-US" altLang="en-US" sz="1200" b="1" dirty="0"/>
-              <a:t>Products of combustion, atmospheric reactions, and mechanical processes</a:t>
-            </a:r>
-          </a:p>
-          <a:p>
-            <a:pPr marL="171450" indent="-171450">
-              <a:buFont typeface="Courier New" panose="02070309020205020404" pitchFamily="49" charset="0"/>
-              <a:buChar char="o"/>
-            </a:pPr>
-            <a:r>
-              <a:rPr lang="en-US" altLang="en-US" sz="1200" b="1" dirty="0" smtClean="0"/>
-              <a:t>Wide </a:t>
-            </a:r>
-            <a:r>
-              <a:rPr lang="en-US" altLang="en-US" sz="1200" b="1" dirty="0"/>
-              <a:t>range of particle sizes</a:t>
-            </a:r>
-          </a:p>
-          <a:p>
-            <a:endParaRPr lang="en-US" altLang="en-US" sz="1200" b="1" u="sng" dirty="0"/>
-          </a:p>
-          <a:p>
-            <a:endParaRPr lang="en-US" dirty="0"/>
-          </a:p>
-        </p:txBody>
-      </p:sp>
-    </p:spTree>
-    <p:extLst>
-      <p:ext uri="{BB962C8B-B14F-4D97-AF65-F5344CB8AC3E}">
-        <p14:creationId xmlns:p14="http://schemas.microsoft.com/office/powerpoint/2010/main" val="3771773428"/>
-      </p:ext>
-    </p:extLst>
-  </p:cSld>
-  <p:clrMapOvr>
-    <a:masterClrMapping/>
-  </p:clrMapOvr>
-  <p:timing>
-    <p:tnLst>
-      <p:par>
-        <p:cTn id="1" dur="indefinite" restart="never" nodeType="tmRoot"/>
-      </p:par>
-    </p:tnLst>
-  </p:timing>
-</p:sld>
-</file>
-
-<file path=ppt/slides/slide5.xml><?xml version="1.0" encoding="utf-8"?>
-<p:sld xmlns:a="http://schemas.openxmlformats.org/drawingml/2006/main" xmlns:r="http://schemas.openxmlformats.org/officeDocument/2006/relationships" xmlns:p="http://schemas.openxmlformats.org/presentationml/2006/main">
-  <p:cSld>
-    <p:spTree>
-      <p:nvGrpSpPr>
-        <p:cNvPr id="1" name=""/>
-        <p:cNvGrpSpPr/>
-        <p:nvPr/>
-      </p:nvGrpSpPr>
-      <p:grpSpPr>
-        <a:xfrm>
-          <a:off x="0" y="0"/>
-          <a:ext cx="0" cy="0"/>
-          <a:chOff x="0" y="0"/>
-          <a:chExt cx="0" cy="0"/>
-        </a:xfrm>
-      </p:grpSpPr>
-      <p:sp>
-        <p:nvSpPr>
-          <p:cNvPr id="2" name="Title 1"/>
-          <p:cNvSpPr>
-            <a:spLocks noGrp="1"/>
-          </p:cNvSpPr>
-          <p:nvPr>
-            <p:ph type="title"/>
-          </p:nvPr>
-        </p:nvSpPr>
-        <p:spPr>
-          <a:solidFill>
-            <a:srgbClr val="FFFFFF"/>
-          </a:solidFill>
-        </p:spPr>
-        <p:txBody>
-          <a:bodyPr/>
-          <a:lstStyle/>
-          <a:p>
-            <a:r>
-              <a:rPr lang="en-US" b="1" dirty="0" smtClean="0">
-                <a:solidFill>
-                  <a:srgbClr val="1F497D"/>
-                </a:solidFill>
-              </a:rPr>
-              <a:t>Your Method</a:t>
-            </a:r>
-            <a:endParaRPr lang="en-US" b="1" dirty="0">
-              <a:solidFill>
-                <a:srgbClr val="1F497D"/>
-              </a:solidFill>
-            </a:endParaRPr>
-          </a:p>
-        </p:txBody>
-      </p:sp>
-      <p:pic>
-        <p:nvPicPr>
-          <p:cNvPr id="6" name="Content Placeholder 5"/>
-          <p:cNvPicPr>
-            <a:picLocks noGrp="1" noChangeAspect="1"/>
-          </p:cNvPicPr>
-          <p:nvPr>
-            <p:ph idx="1"/>
-          </p:nvPr>
-        </p:nvPicPr>
-        <p:blipFill>
-          <a:blip r:embed="rId2">
-            <a:extLst>
-              <a:ext uri="{28A0092B-C50C-407E-A947-70E740481C1C}">
-                <a14:useLocalDpi xmlns:a14="http://schemas.microsoft.com/office/drawing/2010/main" val="0"/>
-              </a:ext>
-            </a:extLst>
-          </a:blip>
-          <a:stretch>
-            <a:fillRect/>
-          </a:stretch>
-        </p:blipFill>
-        <p:spPr>
-          <a:xfrm>
-            <a:off x="1077936" y="4457700"/>
-            <a:ext cx="4025405" cy="2209979"/>
-          </a:xfrm>
-        </p:spPr>
-      </p:pic>
-      <p:pic>
-        <p:nvPicPr>
-          <p:cNvPr id="7" name="Picture 6"/>
-          <p:cNvPicPr>
-            <a:picLocks noChangeAspect="1"/>
-          </p:cNvPicPr>
-          <p:nvPr/>
-        </p:nvPicPr>
-        <p:blipFill>
-          <a:blip r:embed="rId3">
-            <a:extLst>
-              <a:ext uri="{28A0092B-C50C-407E-A947-70E740481C1C}">
-                <a14:useLocalDpi xmlns:a14="http://schemas.microsoft.com/office/drawing/2010/main" val="0"/>
-              </a:ext>
-            </a:extLst>
-          </a:blip>
-          <a:stretch>
-            <a:fillRect/>
-          </a:stretch>
-        </p:blipFill>
-        <p:spPr>
-          <a:xfrm>
-            <a:off x="5499100" y="4457700"/>
-            <a:ext cx="2936669" cy="2248345"/>
-          </a:xfrm>
-          <a:prstGeom prst="rect">
-            <a:avLst/>
-          </a:prstGeom>
-        </p:spPr>
-      </p:pic>
-      <p:sp>
-        <p:nvSpPr>
-          <p:cNvPr id="9" name="TextBox 8"/>
-          <p:cNvSpPr txBox="1"/>
-          <p:nvPr/>
-        </p:nvSpPr>
-        <p:spPr>
-          <a:xfrm>
-            <a:off x="1077936" y="1400176"/>
-            <a:ext cx="6867459" cy="2554545"/>
-          </a:xfrm>
-          <a:prstGeom prst="rect">
-            <a:avLst/>
-          </a:prstGeom>
-          <a:noFill/>
-        </p:spPr>
-        <p:txBody>
-          <a:bodyPr wrap="square" rtlCol="0">
-            <a:spAutoFit/>
-          </a:bodyPr>
-          <a:lstStyle/>
-          <a:p>
-            <a:pPr marL="285750" indent="-285750">
-              <a:buFont typeface="Arial" panose="020B0604020202020204" pitchFamily="34" charset="0"/>
-              <a:buChar char="•"/>
-            </a:pPr>
-            <a:r>
-              <a:rPr lang="en-US" sz="2000" dirty="0" smtClean="0"/>
-              <a:t>Upload the dataset</a:t>
-            </a:r>
-          </a:p>
-          <a:p>
-            <a:pPr marL="285750" indent="-285750">
-              <a:buFont typeface="Arial" panose="020B0604020202020204" pitchFamily="34" charset="0"/>
-              <a:buChar char="•"/>
-            </a:pPr>
-            <a:r>
-              <a:rPr lang="en-US" sz="2000" dirty="0" smtClean="0"/>
-              <a:t>Normalize it (scale it) equation</a:t>
-            </a:r>
-          </a:p>
-          <a:p>
-            <a:pPr marL="285750" indent="-285750">
-              <a:buFont typeface="Arial" panose="020B0604020202020204" pitchFamily="34" charset="0"/>
-              <a:buChar char="•"/>
-            </a:pPr>
-            <a:r>
-              <a:rPr lang="en-US" sz="2000" dirty="0" smtClean="0"/>
-              <a:t>Analysis (training, testing and exploring data)</a:t>
-            </a:r>
-          </a:p>
-          <a:p>
-            <a:pPr marL="285750" indent="-285750">
-              <a:buFont typeface="Arial" panose="020B0604020202020204" pitchFamily="34" charset="0"/>
-              <a:buChar char="•"/>
-            </a:pPr>
-            <a:r>
-              <a:rPr lang="en-US" sz="2000" dirty="0" smtClean="0"/>
-              <a:t>Predict (LM and Time Series Analysis)</a:t>
-            </a:r>
-          </a:p>
-          <a:p>
-            <a:pPr marL="285750" indent="-285750">
-              <a:buFont typeface="Arial" panose="020B0604020202020204" pitchFamily="34" charset="0"/>
-              <a:buChar char="•"/>
-            </a:pPr>
-            <a:r>
-              <a:rPr lang="en-US" sz="2000" dirty="0" smtClean="0"/>
-              <a:t>ARIMA:  </a:t>
-            </a:r>
-            <a:r>
-              <a:rPr lang="en-US" sz="2000" dirty="0" err="1" smtClean="0"/>
-              <a:t>AutoRegressive</a:t>
-            </a:r>
-            <a:r>
-              <a:rPr lang="en-US" sz="2000" dirty="0" smtClean="0"/>
-              <a:t> </a:t>
-            </a:r>
-            <a:r>
-              <a:rPr lang="en-US" sz="2000" dirty="0"/>
-              <a:t>Integrated Moving Average</a:t>
-            </a:r>
-            <a:endParaRPr lang="en-US" sz="2000" dirty="0" smtClean="0"/>
-          </a:p>
-          <a:p>
-            <a:pPr marL="285750" indent="-285750">
-              <a:buFont typeface="Arial" panose="020B0604020202020204" pitchFamily="34" charset="0"/>
-              <a:buChar char="•"/>
-            </a:pPr>
-            <a:r>
-              <a:rPr lang="en-US" sz="2000" dirty="0" smtClean="0"/>
-              <a:t>Conclusion and Visualization (Make sense of the data)</a:t>
-            </a:r>
-          </a:p>
-          <a:p>
-            <a:pPr marL="285750" indent="-285750">
-              <a:buFont typeface="Arial" panose="020B0604020202020204" pitchFamily="34" charset="0"/>
-              <a:buChar char="•"/>
-            </a:pPr>
-            <a:r>
-              <a:rPr lang="en-US" sz="2000" dirty="0" smtClean="0"/>
-              <a:t>Future research: Incorporate other data sets to the project (Traffic)</a:t>
-            </a:r>
-          </a:p>
-        </p:txBody>
-      </p:sp>
-    </p:spTree>
-    <p:extLst>
-      <p:ext uri="{BB962C8B-B14F-4D97-AF65-F5344CB8AC3E}">
-        <p14:creationId xmlns:p14="http://schemas.microsoft.com/office/powerpoint/2010/main" val="1739979638"/>
-      </p:ext>
-    </p:extLst>
-  </p:cSld>
-  <p:clrMapOvr>
-    <a:masterClrMapping/>
-  </p:clrMapOvr>
-  <p:timing>
-    <p:tnLst>
-      <p:par>
-        <p:cTn id="1" dur="indefinite" restart="never" nodeType="tmRoot"/>
-      </p:par>
-    </p:tnLst>
-  </p:timing>
-</p:sld>
-</file>
-
-<file path=ppt/slides/slide6.xml><?xml version="1.0" encoding="utf-8"?>
+<file path=ppt/slides/slide13.xml><?xml version="1.0" encoding="utf-8"?>
 <p:sld xmlns:a="http://schemas.openxmlformats.org/drawingml/2006/main" xmlns:r="http://schemas.openxmlformats.org/officeDocument/2006/relationships" xmlns:p="http://schemas.openxmlformats.org/presentationml/2006/main">
   <p:cSld>
     <p:spTree>
@@ -5151,7 +4571,7 @@
 </p:sld>
 </file>
 
-<file path=ppt/slides/slide7.xml><?xml version="1.0" encoding="utf-8"?>
+<file path=ppt/slides/slide14.xml><?xml version="1.0" encoding="utf-8"?>
 <p:sld xmlns:a="http://schemas.openxmlformats.org/drawingml/2006/main" xmlns:r="http://schemas.openxmlformats.org/officeDocument/2006/relationships" xmlns:p="http://schemas.openxmlformats.org/presentationml/2006/main">
   <p:cSld>
     <p:spTree>
@@ -5334,7 +4754,6 @@
               <a:rPr lang="en-US" dirty="0"/>
               <a:t>starting point for the AR parameter of the model may be 5.</a:t>
             </a:r>
-            <a:endParaRPr lang="en-US" dirty="0"/>
           </a:p>
         </p:txBody>
       </p:sp>
@@ -5388,7 +4807,112 @@
 </p:sld>
 </file>
 
-<file path=ppt/slides/slide8.xml><?xml version="1.0" encoding="utf-8"?>
+<file path=ppt/slides/slide15.xml><?xml version="1.0" encoding="utf-8"?>
+<p:sld xmlns:a="http://schemas.openxmlformats.org/drawingml/2006/main" xmlns:r="http://schemas.openxmlformats.org/officeDocument/2006/relationships" xmlns:p="http://schemas.openxmlformats.org/presentationml/2006/main">
+  <p:cSld>
+    <p:spTree>
+      <p:nvGrpSpPr>
+        <p:cNvPr id="1" name=""/>
+        <p:cNvGrpSpPr/>
+        <p:nvPr/>
+      </p:nvGrpSpPr>
+      <p:grpSpPr>
+        <a:xfrm>
+          <a:off x="0" y="0"/>
+          <a:ext cx="0" cy="0"/>
+          <a:chOff x="0" y="0"/>
+          <a:chExt cx="0" cy="0"/>
+        </a:xfrm>
+      </p:grpSpPr>
+      <p:sp>
+        <p:nvSpPr>
+          <p:cNvPr id="2" name="Title 1"/>
+          <p:cNvSpPr>
+            <a:spLocks noGrp="1"/>
+          </p:cNvSpPr>
+          <p:nvPr>
+            <p:ph type="title"/>
+          </p:nvPr>
+        </p:nvSpPr>
+        <p:spPr/>
+        <p:txBody>
+          <a:bodyPr>
+            <a:normAutofit fontScale="90000"/>
+          </a:bodyPr>
+          <a:lstStyle/>
+          <a:p>
+            <a:pPr algn="ctr"/>
+            <a:r>
+              <a:rPr lang="en-US" dirty="0" smtClean="0"/>
+              <a:t>Our study will focus on the area where is the pollutant is most prevalent</a:t>
+            </a:r>
+            <a:endParaRPr lang="en-US" dirty="0"/>
+          </a:p>
+        </p:txBody>
+      </p:sp>
+      <p:pic>
+        <p:nvPicPr>
+          <p:cNvPr id="4" name="Content Placeholder 3"/>
+          <p:cNvPicPr>
+            <a:picLocks noGrp="1" noChangeAspect="1"/>
+          </p:cNvPicPr>
+          <p:nvPr>
+            <p:ph idx="1"/>
+          </p:nvPr>
+        </p:nvPicPr>
+        <p:blipFill>
+          <a:blip r:embed="rId3"/>
+          <a:stretch>
+            <a:fillRect/>
+          </a:stretch>
+        </p:blipFill>
+        <p:spPr>
+          <a:xfrm>
+            <a:off x="1597413" y="2226469"/>
+            <a:ext cx="6280924" cy="3263504"/>
+          </a:xfrm>
+          <a:prstGeom prst="rect">
+            <a:avLst/>
+          </a:prstGeom>
+        </p:spPr>
+      </p:pic>
+      <p:sp>
+        <p:nvSpPr>
+          <p:cNvPr id="5" name="Footer Placeholder 4"/>
+          <p:cNvSpPr>
+            <a:spLocks noGrp="1"/>
+          </p:cNvSpPr>
+          <p:nvPr>
+            <p:ph type="ftr" sz="quarter" idx="11"/>
+          </p:nvPr>
+        </p:nvSpPr>
+        <p:spPr/>
+        <p:txBody>
+          <a:bodyPr/>
+          <a:lstStyle/>
+          <a:p>
+            <a:r>
+              <a:rPr lang="en-US" smtClean="0"/>
+              <a:t>Excel, Zeppelin, R and Tableau</a:t>
+            </a:r>
+            <a:endParaRPr lang="en-US"/>
+          </a:p>
+        </p:txBody>
+      </p:sp>
+    </p:spTree>
+    <p:extLst>
+      <p:ext uri="{BB962C8B-B14F-4D97-AF65-F5344CB8AC3E}">
+        <p14:creationId xmlns:p14="http://schemas.microsoft.com/office/powerpoint/2010/main" val="1333868338"/>
+      </p:ext>
+    </p:extLst>
+  </p:cSld>
+  <p:clrMapOvr>
+    <a:masterClrMapping/>
+  </p:clrMapOvr>
+</p:sld>
+</file>
+
+<file path=ppt/slides/slide16.xml><?xml version="1.0" encoding="utf-8"?>
 <p:sld xmlns:a="http://schemas.openxmlformats.org/drawingml/2006/main" xmlns:r="http://schemas.openxmlformats.org/officeDocument/2006/relationships" xmlns:p="http://schemas.openxmlformats.org/presentationml/2006/main">
   <p:cSld>
     <p:spTree>
@@ -5700,6 +5224,2114 @@
 </p:sld>
 </file>
 
+<file path=ppt/slides/slide17.xml><?xml version="1.0" encoding="utf-8"?>
+<p:sld xmlns:a="http://schemas.openxmlformats.org/drawingml/2006/main" xmlns:r="http://schemas.openxmlformats.org/officeDocument/2006/relationships" xmlns:p="http://schemas.openxmlformats.org/presentationml/2006/main">
+  <p:cSld>
+    <p:spTree>
+      <p:nvGrpSpPr>
+        <p:cNvPr id="1" name=""/>
+        <p:cNvGrpSpPr/>
+        <p:nvPr/>
+      </p:nvGrpSpPr>
+      <p:grpSpPr>
+        <a:xfrm>
+          <a:off x="0" y="0"/>
+          <a:ext cx="0" cy="0"/>
+          <a:chOff x="0" y="0"/>
+          <a:chExt cx="0" cy="0"/>
+        </a:xfrm>
+      </p:grpSpPr>
+      <p:sp>
+        <p:nvSpPr>
+          <p:cNvPr id="2" name="Title 1"/>
+          <p:cNvSpPr>
+            <a:spLocks noGrp="1"/>
+          </p:cNvSpPr>
+          <p:nvPr>
+            <p:ph type="title"/>
+          </p:nvPr>
+        </p:nvSpPr>
+        <p:spPr/>
+        <p:txBody>
+          <a:bodyPr>
+            <a:normAutofit fontScale="90000"/>
+          </a:bodyPr>
+          <a:lstStyle/>
+          <a:p>
+            <a:r>
+              <a:rPr lang="en-US" dirty="0" smtClean="0"/>
+              <a:t>Competitor focus on health effect of pollution</a:t>
+            </a:r>
+            <a:endParaRPr lang="en-US" dirty="0"/>
+          </a:p>
+        </p:txBody>
+      </p:sp>
+      <p:pic>
+        <p:nvPicPr>
+          <p:cNvPr id="4" name="Content Placeholder 3"/>
+          <p:cNvPicPr>
+            <a:picLocks noGrp="1" noChangeAspect="1"/>
+          </p:cNvPicPr>
+          <p:nvPr>
+            <p:ph idx="1"/>
+          </p:nvPr>
+        </p:nvPicPr>
+        <p:blipFill>
+          <a:blip r:embed="rId2"/>
+          <a:stretch>
+            <a:fillRect/>
+          </a:stretch>
+        </p:blipFill>
+        <p:spPr>
+          <a:xfrm>
+            <a:off x="727618" y="2226469"/>
+            <a:ext cx="6866363" cy="3263504"/>
+          </a:xfrm>
+          <a:prstGeom prst="rect">
+            <a:avLst/>
+          </a:prstGeom>
+        </p:spPr>
+      </p:pic>
+    </p:spTree>
+    <p:extLst>
+      <p:ext uri="{BB962C8B-B14F-4D97-AF65-F5344CB8AC3E}">
+        <p14:creationId xmlns:p14="http://schemas.microsoft.com/office/powerpoint/2010/main" val="434816195"/>
+      </p:ext>
+    </p:extLst>
+  </p:cSld>
+  <p:clrMapOvr>
+    <a:masterClrMapping/>
+  </p:clrMapOvr>
+</p:sld>
+</file>
+
+<file path=ppt/slides/slide18.xml><?xml version="1.0" encoding="utf-8"?>
+<p:sld xmlns:a="http://schemas.openxmlformats.org/drawingml/2006/main" xmlns:r="http://schemas.openxmlformats.org/officeDocument/2006/relationships" xmlns:p="http://schemas.openxmlformats.org/presentationml/2006/main">
+  <p:cSld>
+    <p:spTree>
+      <p:nvGrpSpPr>
+        <p:cNvPr id="1" name=""/>
+        <p:cNvGrpSpPr/>
+        <p:nvPr/>
+      </p:nvGrpSpPr>
+      <p:grpSpPr>
+        <a:xfrm>
+          <a:off x="0" y="0"/>
+          <a:ext cx="0" cy="0"/>
+          <a:chOff x="0" y="0"/>
+          <a:chExt cx="0" cy="0"/>
+        </a:xfrm>
+      </p:grpSpPr>
+      <p:sp>
+        <p:nvSpPr>
+          <p:cNvPr id="2" name="Title 1"/>
+          <p:cNvSpPr>
+            <a:spLocks noGrp="1"/>
+          </p:cNvSpPr>
+          <p:nvPr>
+            <p:ph type="title"/>
+          </p:nvPr>
+        </p:nvSpPr>
+        <p:spPr>
+          <a:solidFill>
+            <a:srgbClr val="FFFFFF"/>
+          </a:solidFill>
+        </p:spPr>
+        <p:txBody>
+          <a:bodyPr>
+            <a:normAutofit fontScale="90000"/>
+          </a:bodyPr>
+          <a:lstStyle/>
+          <a:p>
+            <a:r>
+              <a:rPr lang="en-US" b="1" dirty="0" smtClean="0">
+                <a:solidFill>
+                  <a:srgbClr val="1F497D"/>
+                </a:solidFill>
+              </a:rPr>
+              <a:t>Performance on Big Data: Time Measurements</a:t>
+            </a:r>
+            <a:endParaRPr lang="en-US" b="1" dirty="0">
+              <a:solidFill>
+                <a:srgbClr val="1F497D"/>
+              </a:solidFill>
+            </a:endParaRPr>
+          </a:p>
+        </p:txBody>
+      </p:sp>
+      <p:sp>
+        <p:nvSpPr>
+          <p:cNvPr id="3" name="Content Placeholder 2"/>
+          <p:cNvSpPr>
+            <a:spLocks noGrp="1"/>
+          </p:cNvSpPr>
+          <p:nvPr>
+            <p:ph idx="1"/>
+          </p:nvPr>
+        </p:nvSpPr>
+        <p:spPr/>
+        <p:txBody>
+          <a:bodyPr>
+            <a:normAutofit/>
+          </a:bodyPr>
+          <a:lstStyle/>
+          <a:p>
+            <a:r>
+              <a:rPr lang="en-US" sz="2200" dirty="0" smtClean="0"/>
+              <a:t>Uploading data time manually (each csv ~22 sec X ~449 station= too long)</a:t>
+            </a:r>
+          </a:p>
+          <a:p>
+            <a:r>
+              <a:rPr lang="en-US" sz="2200" dirty="0" smtClean="0"/>
+              <a:t>Using Zeppelin, to upload the csv. (3 seconds)  </a:t>
+            </a:r>
+          </a:p>
+          <a:p>
+            <a:r>
+              <a:rPr lang="en-US" sz="2200" dirty="0" smtClean="0"/>
+              <a:t>Cleaning dataset (2 mins); data was very clean, no NAs.</a:t>
+            </a:r>
+          </a:p>
+          <a:p>
+            <a:r>
+              <a:rPr lang="en-US" sz="2200" dirty="0" smtClean="0"/>
+              <a:t>*Exploratory data analysis (many hours)</a:t>
+            </a:r>
+          </a:p>
+          <a:p>
+            <a:r>
+              <a:rPr lang="en-US" sz="2200" dirty="0" smtClean="0"/>
+              <a:t>Using R to run analysis on data sections (&lt;15 secs each)</a:t>
+            </a:r>
+          </a:p>
+          <a:p>
+            <a:r>
+              <a:rPr lang="en-US" sz="2200" dirty="0" smtClean="0"/>
+              <a:t>Visualization time when data is uploaded to Zeppelin (1 sec)</a:t>
+            </a:r>
+          </a:p>
+          <a:p>
+            <a:r>
+              <a:rPr lang="en-US" sz="2200" dirty="0"/>
+              <a:t>Visualization </a:t>
+            </a:r>
+            <a:r>
+              <a:rPr lang="en-US" sz="2200" dirty="0" smtClean="0"/>
+              <a:t>time when </a:t>
+            </a:r>
+            <a:r>
+              <a:rPr lang="en-US" sz="2200" dirty="0"/>
+              <a:t>data is uploaded to </a:t>
+            </a:r>
+            <a:r>
+              <a:rPr lang="en-US" sz="2200" dirty="0" smtClean="0"/>
+              <a:t>Tableau (25 secs)</a:t>
+            </a:r>
+          </a:p>
+          <a:p>
+            <a:endParaRPr lang="en-US" sz="2000" dirty="0" smtClean="0"/>
+          </a:p>
+          <a:p>
+            <a:endParaRPr lang="en-US" sz="2000" dirty="0" smtClean="0"/>
+          </a:p>
+          <a:p>
+            <a:endParaRPr lang="en-US" sz="2000" dirty="0"/>
+          </a:p>
+        </p:txBody>
+      </p:sp>
+    </p:spTree>
+    <p:extLst>
+      <p:ext uri="{BB962C8B-B14F-4D97-AF65-F5344CB8AC3E}">
+        <p14:creationId xmlns:p14="http://schemas.microsoft.com/office/powerpoint/2010/main" val="1074901712"/>
+      </p:ext>
+    </p:extLst>
+  </p:cSld>
+  <p:clrMapOvr>
+    <a:masterClrMapping/>
+  </p:clrMapOvr>
+  <p:timing>
+    <p:tnLst>
+      <p:par>
+        <p:cTn id="1" dur="indefinite" restart="never" nodeType="tmRoot"/>
+      </p:par>
+    </p:tnLst>
+  </p:timing>
+</p:sld>
+</file>
+
+<file path=ppt/slides/slide19.xml><?xml version="1.0" encoding="utf-8"?>
+<p:sld xmlns:a="http://schemas.openxmlformats.org/drawingml/2006/main" xmlns:r="http://schemas.openxmlformats.org/officeDocument/2006/relationships" xmlns:p="http://schemas.openxmlformats.org/presentationml/2006/main">
+  <p:cSld>
+    <p:spTree>
+      <p:nvGrpSpPr>
+        <p:cNvPr id="1" name=""/>
+        <p:cNvGrpSpPr/>
+        <p:nvPr/>
+      </p:nvGrpSpPr>
+      <p:grpSpPr>
+        <a:xfrm>
+          <a:off x="0" y="0"/>
+          <a:ext cx="0" cy="0"/>
+          <a:chOff x="0" y="0"/>
+          <a:chExt cx="0" cy="0"/>
+        </a:xfrm>
+      </p:grpSpPr>
+      <p:sp>
+        <p:nvSpPr>
+          <p:cNvPr id="2" name="Title 1"/>
+          <p:cNvSpPr>
+            <a:spLocks noGrp="1"/>
+          </p:cNvSpPr>
+          <p:nvPr>
+            <p:ph type="title"/>
+          </p:nvPr>
+        </p:nvSpPr>
+        <p:spPr/>
+        <p:txBody>
+          <a:bodyPr>
+            <a:normAutofit fontScale="90000"/>
+          </a:bodyPr>
+          <a:lstStyle/>
+          <a:p>
+            <a:pPr algn="ctr"/>
+            <a:r>
+              <a:rPr lang="en-US" dirty="0" smtClean="0"/>
+              <a:t>Investigate which routes and time where levels are high</a:t>
+            </a:r>
+            <a:endParaRPr lang="en-US" dirty="0"/>
+          </a:p>
+        </p:txBody>
+      </p:sp>
+      <p:sp>
+        <p:nvSpPr>
+          <p:cNvPr id="5" name="Footer Placeholder 4"/>
+          <p:cNvSpPr>
+            <a:spLocks noGrp="1"/>
+          </p:cNvSpPr>
+          <p:nvPr>
+            <p:ph type="ftr" sz="quarter" idx="11"/>
+          </p:nvPr>
+        </p:nvSpPr>
+        <p:spPr/>
+        <p:txBody>
+          <a:bodyPr/>
+          <a:lstStyle/>
+          <a:p>
+            <a:r>
+              <a:rPr lang="en-US" smtClean="0"/>
+              <a:t>Excel, Zeppelin, R and Tableau</a:t>
+            </a:r>
+            <a:endParaRPr lang="en-US"/>
+          </a:p>
+        </p:txBody>
+      </p:sp>
+      <p:pic>
+        <p:nvPicPr>
+          <p:cNvPr id="7" name="Picture 6"/>
+          <p:cNvPicPr>
+            <a:picLocks noChangeAspect="1"/>
+          </p:cNvPicPr>
+          <p:nvPr/>
+        </p:nvPicPr>
+        <p:blipFill>
+          <a:blip r:embed="rId3"/>
+          <a:stretch>
+            <a:fillRect/>
+          </a:stretch>
+        </p:blipFill>
+        <p:spPr>
+          <a:xfrm>
+            <a:off x="370862" y="2318146"/>
+            <a:ext cx="8310363" cy="3267412"/>
+          </a:xfrm>
+          <a:prstGeom prst="rect">
+            <a:avLst/>
+          </a:prstGeom>
+        </p:spPr>
+      </p:pic>
+    </p:spTree>
+    <p:extLst>
+      <p:ext uri="{BB962C8B-B14F-4D97-AF65-F5344CB8AC3E}">
+        <p14:creationId xmlns:p14="http://schemas.microsoft.com/office/powerpoint/2010/main" val="1449597896"/>
+      </p:ext>
+    </p:extLst>
+  </p:cSld>
+  <p:clrMapOvr>
+    <a:masterClrMapping/>
+  </p:clrMapOvr>
+</p:sld>
+</file>
+
+<file path=ppt/slides/slide2.xml><?xml version="1.0" encoding="utf-8"?>
+<p:sld xmlns:a="http://schemas.openxmlformats.org/drawingml/2006/main" xmlns:r="http://schemas.openxmlformats.org/officeDocument/2006/relationships" xmlns:p="http://schemas.openxmlformats.org/presentationml/2006/main">
+  <p:cSld>
+    <p:spTree>
+      <p:nvGrpSpPr>
+        <p:cNvPr id="1" name=""/>
+        <p:cNvGrpSpPr/>
+        <p:nvPr/>
+      </p:nvGrpSpPr>
+      <p:grpSpPr>
+        <a:xfrm>
+          <a:off x="0" y="0"/>
+          <a:ext cx="0" cy="0"/>
+          <a:chOff x="0" y="0"/>
+          <a:chExt cx="0" cy="0"/>
+        </a:xfrm>
+      </p:grpSpPr>
+      <p:sp>
+        <p:nvSpPr>
+          <p:cNvPr id="2" name="Title 1"/>
+          <p:cNvSpPr>
+            <a:spLocks noGrp="1"/>
+          </p:cNvSpPr>
+          <p:nvPr>
+            <p:ph type="title"/>
+          </p:nvPr>
+        </p:nvSpPr>
+        <p:spPr>
+          <a:solidFill>
+            <a:srgbClr val="FFFFFF"/>
+          </a:solidFill>
+        </p:spPr>
+        <p:txBody>
+          <a:bodyPr>
+            <a:normAutofit fontScale="90000"/>
+          </a:bodyPr>
+          <a:lstStyle/>
+          <a:p>
+            <a:r>
+              <a:rPr lang="en-US" b="1" dirty="0" smtClean="0">
+                <a:solidFill>
+                  <a:srgbClr val="1F497D"/>
+                </a:solidFill>
+              </a:rPr>
+              <a:t>Contribution of Competitor’s Article</a:t>
+            </a:r>
+            <a:endParaRPr lang="en-US" b="1" dirty="0">
+              <a:solidFill>
+                <a:srgbClr val="1F497D"/>
+              </a:solidFill>
+            </a:endParaRPr>
+          </a:p>
+        </p:txBody>
+      </p:sp>
+      <p:sp>
+        <p:nvSpPr>
+          <p:cNvPr id="3" name="Content Placeholder 2"/>
+          <p:cNvSpPr>
+            <a:spLocks noGrp="1"/>
+          </p:cNvSpPr>
+          <p:nvPr>
+            <p:ph idx="1"/>
+          </p:nvPr>
+        </p:nvSpPr>
+        <p:spPr/>
+        <p:txBody>
+          <a:bodyPr>
+            <a:normAutofit fontScale="85000" lnSpcReduction="20000"/>
+          </a:bodyPr>
+          <a:lstStyle/>
+          <a:p>
+            <a:pPr marL="0" indent="0">
+              <a:buNone/>
+            </a:pPr>
+            <a:r>
+              <a:rPr lang="en-US" sz="2000" i="1" u="sng" dirty="0" smtClean="0"/>
+              <a:t>Title</a:t>
+            </a:r>
+            <a:r>
+              <a:rPr lang="en-US" sz="2000" u="sng" dirty="0" smtClean="0"/>
+              <a:t>:</a:t>
+            </a:r>
+            <a:r>
+              <a:rPr lang="en-US" sz="2000" dirty="0" smtClean="0"/>
+              <a:t> Particulate </a:t>
+            </a:r>
+            <a:r>
+              <a:rPr lang="en-US" sz="2000" dirty="0"/>
+              <a:t>air pollution as a predictor of mortality in a prospective study </a:t>
+            </a:r>
+            <a:r>
+              <a:rPr lang="en-US" sz="2000" dirty="0" smtClean="0"/>
+              <a:t>of US adults. </a:t>
+            </a:r>
+          </a:p>
+          <a:p>
+            <a:pPr marL="0" indent="0">
+              <a:buNone/>
+            </a:pPr>
+            <a:endParaRPr lang="en-US" sz="2000" i="1" u="sng" dirty="0" smtClean="0"/>
+          </a:p>
+          <a:p>
+            <a:pPr marL="0" indent="0">
+              <a:buNone/>
+            </a:pPr>
+            <a:r>
+              <a:rPr lang="en-US" sz="2000" i="1" u="sng" dirty="0" smtClean="0"/>
+              <a:t>Authors:</a:t>
+            </a:r>
+            <a:r>
+              <a:rPr lang="en-US" sz="2000" i="1" dirty="0" smtClean="0"/>
+              <a:t> </a:t>
+            </a:r>
+            <a:r>
+              <a:rPr lang="en-US" sz="1800" dirty="0"/>
+              <a:t>CA Pope III, MJ Thun, Mohan M </a:t>
+            </a:r>
+            <a:r>
+              <a:rPr lang="en-US" sz="1800" dirty="0" err="1"/>
+              <a:t>Namboodiri</a:t>
+            </a:r>
+            <a:r>
+              <a:rPr lang="en-US" sz="1800" dirty="0"/>
+              <a:t>, DW Dockery, JS Evans, FE </a:t>
+            </a:r>
+            <a:r>
+              <a:rPr lang="en-US" sz="1800" dirty="0" err="1"/>
+              <a:t>Speizer</a:t>
+            </a:r>
+            <a:r>
+              <a:rPr lang="en-US" sz="1800" dirty="0"/>
+              <a:t>, CW Heath Jr</a:t>
+            </a:r>
+            <a:endParaRPr lang="en-US" sz="2000" i="1" u="sng" dirty="0" smtClean="0"/>
+          </a:p>
+          <a:p>
+            <a:pPr marL="0" indent="0">
+              <a:buNone/>
+            </a:pPr>
+            <a:endParaRPr lang="en-US" sz="2000" i="1" u="sng" dirty="0" smtClean="0"/>
+          </a:p>
+          <a:p>
+            <a:pPr marL="0" indent="0">
+              <a:buNone/>
+            </a:pPr>
+            <a:r>
+              <a:rPr lang="en-US" sz="2000" i="1" u="sng" dirty="0" smtClean="0"/>
+              <a:t>Methods</a:t>
+            </a:r>
+            <a:r>
+              <a:rPr lang="en-US" sz="2000" u="sng" dirty="0" smtClean="0"/>
+              <a:t>:</a:t>
+            </a:r>
+            <a:r>
+              <a:rPr lang="en-US" sz="2000" dirty="0" smtClean="0"/>
+              <a:t> Uses Time-series</a:t>
+            </a:r>
+            <a:r>
+              <a:rPr lang="en-US" sz="2000" dirty="0"/>
+              <a:t>, cross-sectional, and </a:t>
+            </a:r>
+            <a:r>
+              <a:rPr lang="en-US" sz="2000" dirty="0" smtClean="0"/>
+              <a:t>other studies using between mortality and </a:t>
+            </a:r>
+            <a:r>
+              <a:rPr lang="en-US" sz="2000" dirty="0"/>
+              <a:t>particulate air </a:t>
+            </a:r>
+            <a:r>
+              <a:rPr lang="en-US" sz="2000" dirty="0" smtClean="0"/>
+              <a:t>pollution</a:t>
+            </a:r>
+          </a:p>
+          <a:p>
+            <a:pPr marL="0" indent="0">
+              <a:buNone/>
+            </a:pPr>
+            <a:endParaRPr lang="en-US" sz="2000" i="1" u="sng" dirty="0" smtClean="0"/>
+          </a:p>
+          <a:p>
+            <a:pPr marL="0" indent="0">
+              <a:buNone/>
+            </a:pPr>
+            <a:r>
+              <a:rPr lang="en-US" sz="2000" i="1" u="sng" dirty="0" smtClean="0"/>
+              <a:t>Data</a:t>
+            </a:r>
+            <a:r>
+              <a:rPr lang="en-US" sz="2000" u="sng" dirty="0"/>
+              <a:t>:</a:t>
+            </a:r>
+            <a:r>
+              <a:rPr lang="en-US" sz="2000" dirty="0"/>
+              <a:t> Deaths were ascertained through December, 1989.</a:t>
+            </a:r>
+          </a:p>
+          <a:p>
+            <a:pPr marL="0" indent="0">
+              <a:buNone/>
+            </a:pPr>
+            <a:r>
+              <a:rPr lang="en-US" sz="2000" dirty="0"/>
+              <a:t>Exposure to sulfate and fine particulate air pollution, which is primarily from fossil fuel combustion, was estimated from national data bases</a:t>
+            </a:r>
+            <a:r>
+              <a:rPr lang="en-US" sz="2000" dirty="0" smtClean="0"/>
+              <a:t>.</a:t>
+            </a:r>
+          </a:p>
+          <a:p>
+            <a:pPr marL="0" indent="0">
+              <a:buNone/>
+            </a:pPr>
+            <a:endParaRPr lang="en-US" sz="2000" dirty="0"/>
+          </a:p>
+          <a:p>
+            <a:pPr marL="0" indent="0">
+              <a:buNone/>
+            </a:pPr>
+            <a:r>
+              <a:rPr lang="en-US" sz="2000" u="sng" dirty="0" smtClean="0"/>
+              <a:t>Summary</a:t>
+            </a:r>
+            <a:r>
+              <a:rPr lang="en-US" sz="2000" dirty="0" smtClean="0"/>
+              <a:t>: </a:t>
+            </a:r>
+            <a:r>
+              <a:rPr lang="en-US" sz="2000" dirty="0"/>
+              <a:t>US adults found significant associations between</a:t>
+            </a:r>
+          </a:p>
+          <a:p>
+            <a:pPr marL="0" indent="0">
+              <a:buNone/>
+            </a:pPr>
+            <a:r>
+              <a:rPr lang="en-US" sz="2000" dirty="0"/>
+              <a:t>lifetime exposures to S</a:t>
+            </a:r>
+            <a:r>
+              <a:rPr lang="en-US" sz="2000" dirty="0" smtClean="0"/>
+              <a:t>ulphate </a:t>
+            </a:r>
+            <a:r>
+              <a:rPr lang="en-US" sz="2000" dirty="0"/>
+              <a:t>aerosols and fine </a:t>
+            </a:r>
+            <a:r>
+              <a:rPr lang="en-US" sz="2000" dirty="0" smtClean="0"/>
+              <a:t>particles, as </a:t>
+            </a:r>
+            <a:r>
+              <a:rPr lang="en-US" sz="2000" dirty="0"/>
+              <a:t>judged by community air pollution data, and </a:t>
+            </a:r>
+            <a:r>
+              <a:rPr lang="en-US" sz="2000" dirty="0" smtClean="0"/>
+              <a:t>some causes </a:t>
+            </a:r>
+            <a:r>
+              <a:rPr lang="en-US" sz="2000" dirty="0"/>
+              <a:t>of mortality</a:t>
+            </a:r>
+            <a:r>
+              <a:rPr lang="en-US" sz="2000" dirty="0" smtClean="0"/>
+              <a:t>.</a:t>
+            </a:r>
+          </a:p>
+          <a:p>
+            <a:pPr marL="0" indent="0">
+              <a:buNone/>
+            </a:pPr>
+            <a:endParaRPr lang="en-US" sz="2000" dirty="0" smtClean="0"/>
+          </a:p>
+          <a:p>
+            <a:pPr marL="0" indent="0">
+              <a:buNone/>
+            </a:pPr>
+            <a:r>
+              <a:rPr lang="en-US" sz="2000" u="sng" dirty="0"/>
+              <a:t>Conclusion</a:t>
+            </a:r>
+            <a:r>
+              <a:rPr lang="en-US" sz="2000" dirty="0"/>
+              <a:t>: It reinforced earlier findings of significant associations, on a daily basis, between exposures to fine particles and mortality, and </a:t>
+            </a:r>
+            <a:r>
+              <a:rPr lang="en-US" sz="2000" dirty="0" smtClean="0"/>
+              <a:t>showed that </a:t>
+            </a:r>
+            <a:r>
+              <a:rPr lang="en-US" sz="2000" dirty="0"/>
+              <a:t>cardiopulmonary and lung cancer mortality were significantly related to particulate air pollutants.</a:t>
+            </a:r>
+            <a:endParaRPr lang="en-US" sz="2000" dirty="0" smtClean="0"/>
+          </a:p>
+          <a:p>
+            <a:pPr marL="0" indent="0">
+              <a:buNone/>
+            </a:pPr>
+            <a:endParaRPr lang="en-US" sz="2400" dirty="0"/>
+          </a:p>
+        </p:txBody>
+      </p:sp>
+    </p:spTree>
+    <p:extLst>
+      <p:ext uri="{BB962C8B-B14F-4D97-AF65-F5344CB8AC3E}">
+        <p14:creationId xmlns:p14="http://schemas.microsoft.com/office/powerpoint/2010/main" val="340408153"/>
+      </p:ext>
+    </p:extLst>
+  </p:cSld>
+  <p:clrMapOvr>
+    <a:masterClrMapping/>
+  </p:clrMapOvr>
+  <p:timing>
+    <p:tnLst>
+      <p:par>
+        <p:cTn id="1" dur="indefinite" restart="never" nodeType="tmRoot"/>
+      </p:par>
+    </p:tnLst>
+  </p:timing>
+</p:sld>
+</file>
+
+<file path=ppt/slides/slide20.xml><?xml version="1.0" encoding="utf-8"?>
+<p:sld xmlns:a="http://schemas.openxmlformats.org/drawingml/2006/main" xmlns:r="http://schemas.openxmlformats.org/officeDocument/2006/relationships" xmlns:p="http://schemas.openxmlformats.org/presentationml/2006/main">
+  <p:cSld>
+    <p:spTree>
+      <p:nvGrpSpPr>
+        <p:cNvPr id="1" name=""/>
+        <p:cNvGrpSpPr/>
+        <p:nvPr/>
+      </p:nvGrpSpPr>
+      <p:grpSpPr>
+        <a:xfrm>
+          <a:off x="0" y="0"/>
+          <a:ext cx="0" cy="0"/>
+          <a:chOff x="0" y="0"/>
+          <a:chExt cx="0" cy="0"/>
+        </a:xfrm>
+      </p:grpSpPr>
+      <p:sp>
+        <p:nvSpPr>
+          <p:cNvPr id="2" name="Title 1"/>
+          <p:cNvSpPr>
+            <a:spLocks noGrp="1"/>
+          </p:cNvSpPr>
+          <p:nvPr>
+            <p:ph type="title"/>
+          </p:nvPr>
+        </p:nvSpPr>
+        <p:spPr>
+          <a:solidFill>
+            <a:srgbClr val="FFFFFF"/>
+          </a:solidFill>
+        </p:spPr>
+        <p:txBody>
+          <a:bodyPr/>
+          <a:lstStyle/>
+          <a:p>
+            <a:r>
+              <a:rPr lang="en-US" b="1" dirty="0" smtClean="0">
+                <a:solidFill>
+                  <a:srgbClr val="1F497D"/>
+                </a:solidFill>
+              </a:rPr>
+              <a:t>Conclusion</a:t>
+            </a:r>
+            <a:endParaRPr lang="en-US" b="1" dirty="0">
+              <a:solidFill>
+                <a:srgbClr val="1F497D"/>
+              </a:solidFill>
+            </a:endParaRPr>
+          </a:p>
+        </p:txBody>
+      </p:sp>
+      <p:sp>
+        <p:nvSpPr>
+          <p:cNvPr id="3" name="Content Placeholder 2"/>
+          <p:cNvSpPr>
+            <a:spLocks noGrp="1"/>
+          </p:cNvSpPr>
+          <p:nvPr>
+            <p:ph idx="1"/>
+          </p:nvPr>
+        </p:nvSpPr>
+        <p:spPr/>
+        <p:txBody>
+          <a:bodyPr>
+            <a:normAutofit/>
+          </a:bodyPr>
+          <a:lstStyle/>
+          <a:p>
+            <a:r>
+              <a:rPr lang="en-US" sz="2400" b="1" u="sng" dirty="0" smtClean="0"/>
+              <a:t>Results</a:t>
+            </a:r>
+            <a:r>
+              <a:rPr lang="en-US" sz="2400" dirty="0" smtClean="0"/>
+              <a:t>: From the pollution data set, the program could make a binary prediction of next week’s pollution forecast (safe or unsafe) based on the historical data provided. Accuracy rate is 0.68 based on the test data. </a:t>
+            </a:r>
+          </a:p>
+          <a:p>
+            <a:r>
+              <a:rPr lang="en-US" sz="2400" b="1" u="sng" dirty="0" smtClean="0"/>
+              <a:t>Future work</a:t>
+            </a:r>
+            <a:r>
+              <a:rPr lang="en-US" sz="2400" dirty="0" smtClean="0"/>
+              <a:t>: using Logistic Regression Analysis on the dataset or other methods.</a:t>
+            </a:r>
+          </a:p>
+          <a:p>
+            <a:r>
+              <a:rPr lang="en-US" sz="2400" b="1" u="sng" dirty="0" smtClean="0"/>
+              <a:t>Use</a:t>
+            </a:r>
+            <a:r>
+              <a:rPr lang="en-US" sz="2400" dirty="0" smtClean="0"/>
+              <a:t>: This would be useful for city planners to determine where are hot spots of pollution within a city and could determine where not to build a school.</a:t>
+            </a:r>
+          </a:p>
+          <a:p>
+            <a:endParaRPr lang="en-US" dirty="0"/>
+          </a:p>
+        </p:txBody>
+      </p:sp>
+    </p:spTree>
+    <p:extLst>
+      <p:ext uri="{BB962C8B-B14F-4D97-AF65-F5344CB8AC3E}">
+        <p14:creationId xmlns:p14="http://schemas.microsoft.com/office/powerpoint/2010/main" val="2105829759"/>
+      </p:ext>
+    </p:extLst>
+  </p:cSld>
+  <p:clrMapOvr>
+    <a:masterClrMapping/>
+  </p:clrMapOvr>
+  <p:timing>
+    <p:tnLst>
+      <p:par>
+        <p:cTn id="1" dur="indefinite" restart="never" nodeType="tmRoot"/>
+      </p:par>
+    </p:tnLst>
+  </p:timing>
+</p:sld>
+</file>
+
+<file path=ppt/slides/slide21.xml><?xml version="1.0" encoding="utf-8"?>
+<p:sld xmlns:a="http://schemas.openxmlformats.org/drawingml/2006/main" xmlns:r="http://schemas.openxmlformats.org/officeDocument/2006/relationships" xmlns:p="http://schemas.openxmlformats.org/presentationml/2006/main">
+  <p:cSld>
+    <p:spTree>
+      <p:nvGrpSpPr>
+        <p:cNvPr id="1" name=""/>
+        <p:cNvGrpSpPr/>
+        <p:nvPr/>
+      </p:nvGrpSpPr>
+      <p:grpSpPr>
+        <a:xfrm>
+          <a:off x="0" y="0"/>
+          <a:ext cx="0" cy="0"/>
+          <a:chOff x="0" y="0"/>
+          <a:chExt cx="0" cy="0"/>
+        </a:xfrm>
+      </p:grpSpPr>
+      <p:sp>
+        <p:nvSpPr>
+          <p:cNvPr id="2" name="Title 1"/>
+          <p:cNvSpPr>
+            <a:spLocks noGrp="1"/>
+          </p:cNvSpPr>
+          <p:nvPr>
+            <p:ph type="title"/>
+          </p:nvPr>
+        </p:nvSpPr>
+        <p:spPr>
+          <a:solidFill>
+            <a:srgbClr val="FFFFFF"/>
+          </a:solidFill>
+        </p:spPr>
+        <p:txBody>
+          <a:bodyPr/>
+          <a:lstStyle/>
+          <a:p>
+            <a:r>
+              <a:rPr lang="en-US" b="1" dirty="0" smtClean="0">
+                <a:solidFill>
+                  <a:srgbClr val="1F497D"/>
+                </a:solidFill>
+              </a:rPr>
+              <a:t>Quiz for Your Classmates</a:t>
+            </a:r>
+            <a:endParaRPr lang="en-US" b="1" dirty="0">
+              <a:solidFill>
+                <a:srgbClr val="1F497D"/>
+              </a:solidFill>
+            </a:endParaRPr>
+          </a:p>
+        </p:txBody>
+      </p:sp>
+      <p:sp>
+        <p:nvSpPr>
+          <p:cNvPr id="3" name="Content Placeholder 2"/>
+          <p:cNvSpPr>
+            <a:spLocks noGrp="1"/>
+          </p:cNvSpPr>
+          <p:nvPr>
+            <p:ph idx="1"/>
+          </p:nvPr>
+        </p:nvSpPr>
+        <p:spPr/>
+        <p:txBody>
+          <a:bodyPr/>
+          <a:lstStyle/>
+          <a:p>
+            <a:r>
+              <a:rPr lang="en-US" dirty="0" smtClean="0">
+                <a:solidFill>
+                  <a:srgbClr val="1F497D"/>
+                </a:solidFill>
+              </a:rPr>
+              <a:t>What statistical method was used?</a:t>
+            </a:r>
+          </a:p>
+          <a:p>
+            <a:pPr marL="0" indent="0">
+              <a:buNone/>
+            </a:pPr>
+            <a:endParaRPr lang="en-US" dirty="0" smtClean="0">
+              <a:solidFill>
+                <a:srgbClr val="1F497D"/>
+              </a:solidFill>
+            </a:endParaRPr>
+          </a:p>
+          <a:p>
+            <a:r>
+              <a:rPr lang="en-US" dirty="0" smtClean="0">
+                <a:solidFill>
+                  <a:srgbClr val="1F497D"/>
+                </a:solidFill>
+              </a:rPr>
+              <a:t>What programming tool was used?</a:t>
+            </a:r>
+          </a:p>
+          <a:p>
+            <a:pPr marL="0" indent="0">
+              <a:buNone/>
+            </a:pPr>
+            <a:endParaRPr lang="en-US" dirty="0" smtClean="0">
+              <a:solidFill>
+                <a:srgbClr val="1F497D"/>
+              </a:solidFill>
+            </a:endParaRPr>
+          </a:p>
+          <a:p>
+            <a:r>
+              <a:rPr lang="en-US" dirty="0" smtClean="0">
+                <a:solidFill>
+                  <a:srgbClr val="1F497D"/>
+                </a:solidFill>
+              </a:rPr>
+              <a:t>What scientific contribution was made?</a:t>
+            </a:r>
+          </a:p>
+          <a:p>
+            <a:endParaRPr lang="en-US" dirty="0">
+              <a:solidFill>
+                <a:srgbClr val="1F497D"/>
+              </a:solidFill>
+            </a:endParaRPr>
+          </a:p>
+          <a:p>
+            <a:r>
+              <a:rPr lang="en-US" dirty="0" smtClean="0">
+                <a:solidFill>
+                  <a:srgbClr val="1F497D"/>
+                </a:solidFill>
+              </a:rPr>
+              <a:t>What idea could be useful for </a:t>
+            </a:r>
+            <a:r>
+              <a:rPr lang="en-US" smtClean="0">
+                <a:solidFill>
+                  <a:srgbClr val="1F497D"/>
+                </a:solidFill>
+              </a:rPr>
+              <a:t>your project?</a:t>
+            </a:r>
+            <a:endParaRPr lang="en-US" dirty="0">
+              <a:solidFill>
+                <a:srgbClr val="1F497D"/>
+              </a:solidFill>
+            </a:endParaRPr>
+          </a:p>
+        </p:txBody>
+      </p:sp>
+    </p:spTree>
+    <p:extLst>
+      <p:ext uri="{BB962C8B-B14F-4D97-AF65-F5344CB8AC3E}">
+        <p14:creationId xmlns:p14="http://schemas.microsoft.com/office/powerpoint/2010/main" val="786840279"/>
+      </p:ext>
+    </p:extLst>
+  </p:cSld>
+  <p:clrMapOvr>
+    <a:masterClrMapping/>
+  </p:clrMapOvr>
+  <p:timing>
+    <p:tnLst>
+      <p:par>
+        <p:cTn id="1" dur="indefinite" restart="never" nodeType="tmRoot"/>
+      </p:par>
+    </p:tnLst>
+  </p:timing>
+</p:sld>
+</file>
+
+<file path=ppt/slides/slide3.xml><?xml version="1.0" encoding="utf-8"?>
+<p:sld xmlns:a="http://schemas.openxmlformats.org/drawingml/2006/main" xmlns:r="http://schemas.openxmlformats.org/officeDocument/2006/relationships" xmlns:p="http://schemas.openxmlformats.org/presentationml/2006/main">
+  <p:cSld>
+    <p:spTree>
+      <p:nvGrpSpPr>
+        <p:cNvPr id="1" name=""/>
+        <p:cNvGrpSpPr/>
+        <p:nvPr/>
+      </p:nvGrpSpPr>
+      <p:grpSpPr>
+        <a:xfrm>
+          <a:off x="0" y="0"/>
+          <a:ext cx="0" cy="0"/>
+          <a:chOff x="0" y="0"/>
+          <a:chExt cx="0" cy="0"/>
+        </a:xfrm>
+      </p:grpSpPr>
+      <p:sp>
+        <p:nvSpPr>
+          <p:cNvPr id="2" name="Title 1"/>
+          <p:cNvSpPr>
+            <a:spLocks noGrp="1"/>
+          </p:cNvSpPr>
+          <p:nvPr>
+            <p:ph type="title"/>
+          </p:nvPr>
+        </p:nvSpPr>
+        <p:spPr>
+          <a:solidFill>
+            <a:srgbClr val="FFFFFF"/>
+          </a:solidFill>
+        </p:spPr>
+        <p:txBody>
+          <a:bodyPr>
+            <a:normAutofit fontScale="90000"/>
+          </a:bodyPr>
+          <a:lstStyle/>
+          <a:p>
+            <a:r>
+              <a:rPr lang="en-US" b="1" dirty="0" smtClean="0">
+                <a:solidFill>
+                  <a:srgbClr val="1F497D"/>
+                </a:solidFill>
+              </a:rPr>
+              <a:t>Description of Your Contribution</a:t>
+            </a:r>
+            <a:endParaRPr lang="en-US" b="1" dirty="0">
+              <a:solidFill>
+                <a:srgbClr val="1F497D"/>
+              </a:solidFill>
+            </a:endParaRPr>
+          </a:p>
+        </p:txBody>
+      </p:sp>
+      <p:sp>
+        <p:nvSpPr>
+          <p:cNvPr id="3" name="Content Placeholder 2"/>
+          <p:cNvSpPr>
+            <a:spLocks noGrp="1"/>
+          </p:cNvSpPr>
+          <p:nvPr>
+            <p:ph idx="1"/>
+          </p:nvPr>
+        </p:nvSpPr>
+        <p:spPr/>
+        <p:txBody>
+          <a:bodyPr>
+            <a:normAutofit lnSpcReduction="10000"/>
+          </a:bodyPr>
+          <a:lstStyle/>
+          <a:p>
+            <a:r>
+              <a:rPr lang="en-US" sz="2800" dirty="0" smtClean="0"/>
+              <a:t>Using Time Series Analysis to make a prediction from historical data supplied from sensor data.</a:t>
+            </a:r>
+          </a:p>
+          <a:p>
+            <a:r>
+              <a:rPr lang="en-US" sz="2800" dirty="0" smtClean="0"/>
+              <a:t>From the aggregated dataset, separate the time into 3 categories: Morning (6am to 2pm), Midday (2pm to 10pm) and Night (10pm to 6am) from one sensor station.</a:t>
+            </a:r>
+          </a:p>
+          <a:p>
+            <a:r>
+              <a:rPr lang="en-US" sz="2800" dirty="0" smtClean="0"/>
+              <a:t>Build a program to create a binary prediction (one week forward).</a:t>
+            </a:r>
+          </a:p>
+          <a:p>
+            <a:r>
+              <a:rPr lang="en-US" sz="2800" dirty="0" smtClean="0"/>
+              <a:t>Create a visualization that can be easy to understand to the general public </a:t>
+            </a:r>
+          </a:p>
+          <a:p>
+            <a:endParaRPr lang="en-US" sz="2800" dirty="0" smtClean="0"/>
+          </a:p>
+          <a:p>
+            <a:endParaRPr lang="en-US" sz="2800" dirty="0"/>
+          </a:p>
+        </p:txBody>
+      </p:sp>
+    </p:spTree>
+    <p:extLst>
+      <p:ext uri="{BB962C8B-B14F-4D97-AF65-F5344CB8AC3E}">
+        <p14:creationId xmlns:p14="http://schemas.microsoft.com/office/powerpoint/2010/main" val="646432010"/>
+      </p:ext>
+    </p:extLst>
+  </p:cSld>
+  <p:clrMapOvr>
+    <a:masterClrMapping/>
+  </p:clrMapOvr>
+  <p:timing>
+    <p:tnLst>
+      <p:par>
+        <p:cTn id="1" dur="indefinite" restart="never" nodeType="tmRoot"/>
+      </p:par>
+    </p:tnLst>
+  </p:timing>
+</p:sld>
+</file>
+
+<file path=ppt/slides/slide4.xml><?xml version="1.0" encoding="utf-8"?>
+<p:sld xmlns:a="http://schemas.openxmlformats.org/drawingml/2006/main" xmlns:r="http://schemas.openxmlformats.org/officeDocument/2006/relationships" xmlns:p="http://schemas.openxmlformats.org/presentationml/2006/main">
+  <p:cSld>
+    <p:bg>
+      <p:bgPr>
+        <a:solidFill>
+          <a:schemeClr val="bg1">
+            <a:alpha val="99000"/>
+          </a:schemeClr>
+        </a:solidFill>
+        <a:effectLst/>
+      </p:bgPr>
+    </p:bg>
+    <p:spTree>
+      <p:nvGrpSpPr>
+        <p:cNvPr id="1" name=""/>
+        <p:cNvGrpSpPr/>
+        <p:nvPr/>
+      </p:nvGrpSpPr>
+      <p:grpSpPr>
+        <a:xfrm>
+          <a:off x="0" y="0"/>
+          <a:ext cx="0" cy="0"/>
+          <a:chOff x="0" y="0"/>
+          <a:chExt cx="0" cy="0"/>
+        </a:xfrm>
+      </p:grpSpPr>
+      <p:sp>
+        <p:nvSpPr>
+          <p:cNvPr id="2" name="Title 1"/>
+          <p:cNvSpPr>
+            <a:spLocks noGrp="1"/>
+          </p:cNvSpPr>
+          <p:nvPr>
+            <p:ph type="title"/>
+          </p:nvPr>
+        </p:nvSpPr>
+        <p:spPr>
+          <a:solidFill>
+            <a:srgbClr val="FFFFFF"/>
+          </a:solidFill>
+        </p:spPr>
+        <p:txBody>
+          <a:bodyPr/>
+          <a:lstStyle/>
+          <a:p>
+            <a:r>
+              <a:rPr lang="en-US" b="1" dirty="0" smtClean="0">
+                <a:solidFill>
+                  <a:srgbClr val="1F497D"/>
+                </a:solidFill>
+              </a:rPr>
+              <a:t>Data Source and Content</a:t>
+            </a:r>
+            <a:endParaRPr lang="en-US" b="1" dirty="0">
+              <a:solidFill>
+                <a:srgbClr val="1F497D"/>
+              </a:solidFill>
+            </a:endParaRPr>
+          </a:p>
+        </p:txBody>
+      </p:sp>
+      <p:pic>
+        <p:nvPicPr>
+          <p:cNvPr id="6" name="Content Placeholder 5"/>
+          <p:cNvPicPr>
+            <a:picLocks noGrp="1" noChangeAspect="1"/>
+          </p:cNvPicPr>
+          <p:nvPr>
+            <p:ph idx="1"/>
+          </p:nvPr>
+        </p:nvPicPr>
+        <p:blipFill>
+          <a:blip r:embed="rId2">
+            <a:extLst>
+              <a:ext uri="{28A0092B-C50C-407E-A947-70E740481C1C}">
+                <a14:useLocalDpi xmlns:a14="http://schemas.microsoft.com/office/drawing/2010/main" val="0"/>
+              </a:ext>
+            </a:extLst>
+          </a:blip>
+          <a:stretch>
+            <a:fillRect/>
+          </a:stretch>
+        </p:blipFill>
+        <p:spPr>
+          <a:xfrm>
+            <a:off x="1077936" y="3854718"/>
+            <a:ext cx="4116364" cy="2555651"/>
+          </a:xfrm>
+        </p:spPr>
+      </p:pic>
+      <p:sp>
+        <p:nvSpPr>
+          <p:cNvPr id="8" name="TextBox 7"/>
+          <p:cNvSpPr txBox="1"/>
+          <p:nvPr/>
+        </p:nvSpPr>
+        <p:spPr>
+          <a:xfrm>
+            <a:off x="1077937" y="1149179"/>
+            <a:ext cx="4512635" cy="2585323"/>
+          </a:xfrm>
+          <a:prstGeom prst="rect">
+            <a:avLst/>
+          </a:prstGeom>
+          <a:noFill/>
+        </p:spPr>
+        <p:txBody>
+          <a:bodyPr wrap="square" rtlCol="0">
+            <a:spAutoFit/>
+          </a:bodyPr>
+          <a:lstStyle/>
+          <a:p>
+            <a:r>
+              <a:rPr lang="en-US" u="sng" dirty="0" smtClean="0"/>
+              <a:t>Dataset supplied by</a:t>
+            </a:r>
+            <a:r>
+              <a:rPr lang="en-US" dirty="0"/>
+              <a:t>: http://iot.ee.surrey.ac.uk:8080/datasets.html</a:t>
+            </a:r>
+            <a:endParaRPr lang="en-US" dirty="0" smtClean="0"/>
+          </a:p>
+          <a:p>
+            <a:r>
+              <a:rPr lang="en-US" u="sng" dirty="0" smtClean="0"/>
+              <a:t>Variables</a:t>
+            </a:r>
+            <a:r>
+              <a:rPr lang="en-US" dirty="0" smtClean="0"/>
+              <a:t>: Carbon Monoxide, Particulate Matter, Sulfate Dioxide, Nitrogen Dioxide</a:t>
+            </a:r>
+          </a:p>
+          <a:p>
+            <a:r>
+              <a:rPr lang="en-US" u="sng" dirty="0"/>
+              <a:t>O</a:t>
+            </a:r>
+            <a:r>
+              <a:rPr lang="en-US" u="sng" dirty="0" smtClean="0"/>
+              <a:t>bservation points</a:t>
+            </a:r>
+            <a:r>
+              <a:rPr lang="en-US" dirty="0" smtClean="0"/>
+              <a:t>: ~449 </a:t>
+            </a:r>
+          </a:p>
+          <a:p>
+            <a:r>
+              <a:rPr lang="en-US" u="sng" dirty="0" smtClean="0"/>
+              <a:t>Location</a:t>
+            </a:r>
+            <a:r>
+              <a:rPr lang="en-US" dirty="0" smtClean="0"/>
+              <a:t>: </a:t>
+            </a:r>
+            <a:r>
+              <a:rPr lang="en-US" dirty="0"/>
+              <a:t>City of Brasov in Romania</a:t>
+            </a:r>
+            <a:endParaRPr lang="en-US" dirty="0" smtClean="0"/>
+          </a:p>
+          <a:p>
+            <a:r>
+              <a:rPr lang="en-US" u="sng" dirty="0" smtClean="0"/>
+              <a:t>Date Range</a:t>
+            </a:r>
+            <a:r>
+              <a:rPr lang="en-US" dirty="0" smtClean="0"/>
+              <a:t>: </a:t>
+            </a:r>
+            <a:r>
+              <a:rPr lang="en-US" dirty="0"/>
+              <a:t>August 2014 - October 2014  </a:t>
+            </a:r>
+            <a:endParaRPr lang="en-US" dirty="0" smtClean="0"/>
+          </a:p>
+          <a:p>
+            <a:r>
+              <a:rPr lang="en-US" u="sng" dirty="0" smtClean="0"/>
+              <a:t>Time cycles</a:t>
+            </a:r>
+            <a:r>
+              <a:rPr lang="en-US" dirty="0" smtClean="0"/>
+              <a:t>: 24hrs periods</a:t>
+            </a:r>
+            <a:endParaRPr lang="en-US" dirty="0"/>
+          </a:p>
+          <a:p>
+            <a:endParaRPr lang="en-US" dirty="0"/>
+          </a:p>
+        </p:txBody>
+      </p:sp>
+      <p:sp>
+        <p:nvSpPr>
+          <p:cNvPr id="9" name="TextBox 8"/>
+          <p:cNvSpPr txBox="1"/>
+          <p:nvPr/>
+        </p:nvSpPr>
+        <p:spPr>
+          <a:xfrm>
+            <a:off x="5745893" y="1152955"/>
+            <a:ext cx="2940908" cy="5170646"/>
+          </a:xfrm>
+          <a:prstGeom prst="rect">
+            <a:avLst/>
+          </a:prstGeom>
+          <a:noFill/>
+        </p:spPr>
+        <p:txBody>
+          <a:bodyPr wrap="square" rtlCol="0">
+            <a:spAutoFit/>
+          </a:bodyPr>
+          <a:lstStyle/>
+          <a:p>
+            <a:pPr algn="ctr"/>
+            <a:r>
+              <a:rPr lang="en-US" altLang="en-US" b="1" u="sng" dirty="0"/>
+              <a:t>Carbon Monoxide </a:t>
+            </a:r>
+            <a:r>
+              <a:rPr lang="en-US" altLang="en-US" b="1" u="sng" dirty="0" smtClean="0"/>
+              <a:t>– CO</a:t>
+            </a:r>
+          </a:p>
+          <a:p>
+            <a:pPr marL="171450" indent="-171450">
+              <a:buFont typeface="Courier New" panose="02070309020205020404" pitchFamily="49" charset="0"/>
+              <a:buChar char="o"/>
+            </a:pPr>
+            <a:r>
+              <a:rPr lang="en-US" altLang="en-US" sz="1200" b="1" dirty="0" smtClean="0"/>
+              <a:t>  Primary </a:t>
+            </a:r>
+            <a:r>
+              <a:rPr lang="en-US" altLang="en-US" sz="1200" b="1" dirty="0"/>
+              <a:t>pollutant, emitted by incomplete combustion of biomass or fossil fuels</a:t>
+            </a:r>
+          </a:p>
+          <a:p>
+            <a:pPr marL="171450" indent="-171450">
+              <a:buFont typeface="Courier New" panose="02070309020205020404" pitchFamily="49" charset="0"/>
+              <a:buChar char="o"/>
+            </a:pPr>
+            <a:r>
+              <a:rPr lang="en-US" altLang="en-US" sz="1200" b="1" dirty="0" smtClean="0"/>
+              <a:t>Emissions </a:t>
+            </a:r>
+            <a:r>
+              <a:rPr lang="en-US" altLang="en-US" sz="1200" b="1" dirty="0"/>
+              <a:t>reduction by higher temperature combustion and use of catalytic converters on motor </a:t>
+            </a:r>
+            <a:r>
+              <a:rPr lang="en-US" altLang="en-US" sz="1200" b="1" dirty="0" smtClean="0"/>
+              <a:t>vehicles</a:t>
+            </a:r>
+          </a:p>
+          <a:p>
+            <a:endParaRPr lang="en-US" altLang="en-US" sz="1200" b="1" dirty="0"/>
+          </a:p>
+          <a:p>
+            <a:pPr algn="ctr"/>
+            <a:r>
+              <a:rPr lang="en-US" altLang="en-US" b="1" u="sng" dirty="0" smtClean="0"/>
+              <a:t>Nitrogen Dioxide – NO</a:t>
+            </a:r>
+            <a:r>
+              <a:rPr lang="en-US" altLang="en-US" b="1" u="sng" baseline="-25000" dirty="0" smtClean="0"/>
+              <a:t>2</a:t>
+            </a:r>
+          </a:p>
+          <a:p>
+            <a:pPr marL="171450" indent="-171450">
+              <a:buFont typeface="Courier New" panose="02070309020205020404" pitchFamily="49" charset="0"/>
+              <a:buChar char="o"/>
+            </a:pPr>
+            <a:r>
+              <a:rPr lang="en-US" altLang="en-US" sz="1200" b="1" dirty="0" smtClean="0"/>
+              <a:t>  Formed </a:t>
+            </a:r>
+            <a:r>
+              <a:rPr lang="en-US" altLang="en-US" sz="1200" b="1" dirty="0"/>
+              <a:t>by oxidation of NO, which is produced with high temperature combustion (NO</a:t>
+            </a:r>
+            <a:r>
+              <a:rPr lang="en-US" altLang="en-US" sz="1200" b="1" baseline="-25000" dirty="0"/>
+              <a:t>2</a:t>
+            </a:r>
+            <a:r>
+              <a:rPr lang="en-US" altLang="en-US" sz="1200" b="1" dirty="0"/>
+              <a:t> is a secondary pollutant</a:t>
+            </a:r>
+            <a:r>
+              <a:rPr lang="en-US" altLang="en-US" sz="1200" b="1" dirty="0" smtClean="0"/>
+              <a:t>)</a:t>
+            </a:r>
+          </a:p>
+          <a:p>
+            <a:pPr marL="171450" indent="-171450">
+              <a:buFont typeface="Courier New" panose="02070309020205020404" pitchFamily="49" charset="0"/>
+              <a:buChar char="o"/>
+            </a:pPr>
+            <a:endParaRPr lang="en-US" altLang="en-US" sz="1200" b="1" dirty="0" smtClean="0"/>
+          </a:p>
+          <a:p>
+            <a:pPr algn="ctr"/>
+            <a:r>
+              <a:rPr lang="en-US" altLang="en-US" b="1" u="sng" dirty="0"/>
+              <a:t>Sulfur Dioxide – </a:t>
+            </a:r>
+            <a:r>
+              <a:rPr lang="en-US" altLang="en-US" b="1" u="sng" dirty="0" smtClean="0"/>
+              <a:t>SO</a:t>
+            </a:r>
+            <a:r>
+              <a:rPr lang="en-US" altLang="en-US" b="1" u="sng" baseline="-25000" dirty="0" smtClean="0"/>
+              <a:t>2</a:t>
+            </a:r>
+          </a:p>
+          <a:p>
+            <a:pPr marL="171450" indent="-171450">
+              <a:buFont typeface="Courier New" panose="02070309020205020404" pitchFamily="49" charset="0"/>
+              <a:buChar char="o"/>
+            </a:pPr>
+            <a:r>
+              <a:rPr lang="en-US" altLang="en-US" sz="1200" b="1" dirty="0" smtClean="0"/>
+              <a:t>  Primary </a:t>
+            </a:r>
+            <a:r>
+              <a:rPr lang="en-US" altLang="en-US" sz="1200" b="1" dirty="0"/>
+              <a:t>pollutant, emitted by combustion of fuels containing sulfur; also metal </a:t>
+            </a:r>
+            <a:r>
+              <a:rPr lang="en-US" altLang="en-US" sz="1200" b="1" dirty="0" smtClean="0"/>
+              <a:t>smelting</a:t>
+            </a:r>
+          </a:p>
+          <a:p>
+            <a:pPr marL="171450" indent="-171450">
+              <a:buFont typeface="Courier New" panose="02070309020205020404" pitchFamily="49" charset="0"/>
+              <a:buChar char="o"/>
+            </a:pPr>
+            <a:endParaRPr lang="en-US" altLang="en-US" sz="1200" b="1" dirty="0" smtClean="0"/>
+          </a:p>
+          <a:p>
+            <a:pPr algn="ctr"/>
+            <a:r>
+              <a:rPr lang="en-US" altLang="en-US" b="1" u="sng" dirty="0"/>
+              <a:t>Particulate Matter - </a:t>
+            </a:r>
+            <a:r>
+              <a:rPr lang="en-US" altLang="en-US" b="1" u="sng" dirty="0" smtClean="0"/>
+              <a:t>PM</a:t>
+            </a:r>
+            <a:endParaRPr lang="en-US" altLang="en-US" b="1" u="sng" baseline="-25000" dirty="0" smtClean="0"/>
+          </a:p>
+          <a:p>
+            <a:pPr marL="171450" indent="-171450">
+              <a:buFont typeface="Courier New" panose="02070309020205020404" pitchFamily="49" charset="0"/>
+              <a:buChar char="o"/>
+            </a:pPr>
+            <a:r>
+              <a:rPr lang="en-US" altLang="en-US" sz="1200" b="1" dirty="0"/>
+              <a:t>Products of combustion, atmospheric reactions, and mechanical processes</a:t>
+            </a:r>
+          </a:p>
+          <a:p>
+            <a:pPr marL="171450" indent="-171450">
+              <a:buFont typeface="Courier New" panose="02070309020205020404" pitchFamily="49" charset="0"/>
+              <a:buChar char="o"/>
+            </a:pPr>
+            <a:r>
+              <a:rPr lang="en-US" altLang="en-US" sz="1200" b="1" dirty="0" smtClean="0"/>
+              <a:t>Wide </a:t>
+            </a:r>
+            <a:r>
+              <a:rPr lang="en-US" altLang="en-US" sz="1200" b="1" dirty="0"/>
+              <a:t>range of particle sizes</a:t>
+            </a:r>
+          </a:p>
+          <a:p>
+            <a:endParaRPr lang="en-US" altLang="en-US" sz="1200" b="1" u="sng" dirty="0"/>
+          </a:p>
+          <a:p>
+            <a:endParaRPr lang="en-US" dirty="0"/>
+          </a:p>
+        </p:txBody>
+      </p:sp>
+    </p:spTree>
+    <p:extLst>
+      <p:ext uri="{BB962C8B-B14F-4D97-AF65-F5344CB8AC3E}">
+        <p14:creationId xmlns:p14="http://schemas.microsoft.com/office/powerpoint/2010/main" val="3771773428"/>
+      </p:ext>
+    </p:extLst>
+  </p:cSld>
+  <p:clrMapOvr>
+    <a:masterClrMapping/>
+  </p:clrMapOvr>
+  <p:timing>
+    <p:tnLst>
+      <p:par>
+        <p:cTn id="1" dur="indefinite" restart="never" nodeType="tmRoot"/>
+      </p:par>
+    </p:tnLst>
+  </p:timing>
+</p:sld>
+</file>
+
+<file path=ppt/slides/slide5.xml><?xml version="1.0" encoding="utf-8"?>
+<p:sld xmlns:a="http://schemas.openxmlformats.org/drawingml/2006/main" xmlns:r="http://schemas.openxmlformats.org/officeDocument/2006/relationships" xmlns:p="http://schemas.openxmlformats.org/presentationml/2006/main">
+  <p:cSld>
+    <p:spTree>
+      <p:nvGrpSpPr>
+        <p:cNvPr id="1" name=""/>
+        <p:cNvGrpSpPr/>
+        <p:nvPr/>
+      </p:nvGrpSpPr>
+      <p:grpSpPr>
+        <a:xfrm>
+          <a:off x="0" y="0"/>
+          <a:ext cx="0" cy="0"/>
+          <a:chOff x="0" y="0"/>
+          <a:chExt cx="0" cy="0"/>
+        </a:xfrm>
+      </p:grpSpPr>
+      <p:sp>
+        <p:nvSpPr>
+          <p:cNvPr id="2" name="Title 1"/>
+          <p:cNvSpPr>
+            <a:spLocks noGrp="1"/>
+          </p:cNvSpPr>
+          <p:nvPr>
+            <p:ph type="title"/>
+          </p:nvPr>
+        </p:nvSpPr>
+        <p:spPr>
+          <a:solidFill>
+            <a:srgbClr val="FFFFFF"/>
+          </a:solidFill>
+        </p:spPr>
+        <p:txBody>
+          <a:bodyPr/>
+          <a:lstStyle/>
+          <a:p>
+            <a:r>
+              <a:rPr lang="en-US" b="1" dirty="0" smtClean="0">
+                <a:solidFill>
+                  <a:srgbClr val="1F497D"/>
+                </a:solidFill>
+              </a:rPr>
+              <a:t>Your Method</a:t>
+            </a:r>
+            <a:endParaRPr lang="en-US" b="1" dirty="0">
+              <a:solidFill>
+                <a:srgbClr val="1F497D"/>
+              </a:solidFill>
+            </a:endParaRPr>
+          </a:p>
+        </p:txBody>
+      </p:sp>
+      <p:pic>
+        <p:nvPicPr>
+          <p:cNvPr id="6" name="Content Placeholder 5"/>
+          <p:cNvPicPr>
+            <a:picLocks noGrp="1" noChangeAspect="1"/>
+          </p:cNvPicPr>
+          <p:nvPr>
+            <p:ph idx="1"/>
+          </p:nvPr>
+        </p:nvPicPr>
+        <p:blipFill>
+          <a:blip r:embed="rId2">
+            <a:extLst>
+              <a:ext uri="{28A0092B-C50C-407E-A947-70E740481C1C}">
+                <a14:useLocalDpi xmlns:a14="http://schemas.microsoft.com/office/drawing/2010/main" val="0"/>
+              </a:ext>
+            </a:extLst>
+          </a:blip>
+          <a:stretch>
+            <a:fillRect/>
+          </a:stretch>
+        </p:blipFill>
+        <p:spPr>
+          <a:xfrm>
+            <a:off x="1077936" y="4457700"/>
+            <a:ext cx="4025405" cy="2209979"/>
+          </a:xfrm>
+        </p:spPr>
+      </p:pic>
+      <p:pic>
+        <p:nvPicPr>
+          <p:cNvPr id="7" name="Picture 6"/>
+          <p:cNvPicPr>
+            <a:picLocks noChangeAspect="1"/>
+          </p:cNvPicPr>
+          <p:nvPr/>
+        </p:nvPicPr>
+        <p:blipFill>
+          <a:blip r:embed="rId3">
+            <a:extLst>
+              <a:ext uri="{28A0092B-C50C-407E-A947-70E740481C1C}">
+                <a14:useLocalDpi xmlns:a14="http://schemas.microsoft.com/office/drawing/2010/main" val="0"/>
+              </a:ext>
+            </a:extLst>
+          </a:blip>
+          <a:stretch>
+            <a:fillRect/>
+          </a:stretch>
+        </p:blipFill>
+        <p:spPr>
+          <a:xfrm>
+            <a:off x="5499100" y="4457700"/>
+            <a:ext cx="2936669" cy="2248345"/>
+          </a:xfrm>
+          <a:prstGeom prst="rect">
+            <a:avLst/>
+          </a:prstGeom>
+        </p:spPr>
+      </p:pic>
+      <p:sp>
+        <p:nvSpPr>
+          <p:cNvPr id="9" name="TextBox 8"/>
+          <p:cNvSpPr txBox="1"/>
+          <p:nvPr/>
+        </p:nvSpPr>
+        <p:spPr>
+          <a:xfrm>
+            <a:off x="1077936" y="1400176"/>
+            <a:ext cx="6867459" cy="2554545"/>
+          </a:xfrm>
+          <a:prstGeom prst="rect">
+            <a:avLst/>
+          </a:prstGeom>
+          <a:noFill/>
+        </p:spPr>
+        <p:txBody>
+          <a:bodyPr wrap="square" rtlCol="0">
+            <a:spAutoFit/>
+          </a:bodyPr>
+          <a:lstStyle/>
+          <a:p>
+            <a:pPr marL="285750" indent="-285750">
+              <a:buFont typeface="Arial" panose="020B0604020202020204" pitchFamily="34" charset="0"/>
+              <a:buChar char="•"/>
+            </a:pPr>
+            <a:r>
+              <a:rPr lang="en-US" sz="2000" dirty="0" smtClean="0"/>
+              <a:t>Upload the dataset</a:t>
+            </a:r>
+          </a:p>
+          <a:p>
+            <a:pPr marL="285750" indent="-285750">
+              <a:buFont typeface="Arial" panose="020B0604020202020204" pitchFamily="34" charset="0"/>
+              <a:buChar char="•"/>
+            </a:pPr>
+            <a:r>
+              <a:rPr lang="en-US" sz="2000" dirty="0" smtClean="0"/>
+              <a:t>Normalize it (scale it) equation</a:t>
+            </a:r>
+          </a:p>
+          <a:p>
+            <a:pPr marL="285750" indent="-285750">
+              <a:buFont typeface="Arial" panose="020B0604020202020204" pitchFamily="34" charset="0"/>
+              <a:buChar char="•"/>
+            </a:pPr>
+            <a:r>
+              <a:rPr lang="en-US" sz="2000" dirty="0" smtClean="0"/>
+              <a:t>Analysis (training, testing and exploring data)</a:t>
+            </a:r>
+          </a:p>
+          <a:p>
+            <a:pPr marL="285750" indent="-285750">
+              <a:buFont typeface="Arial" panose="020B0604020202020204" pitchFamily="34" charset="0"/>
+              <a:buChar char="•"/>
+            </a:pPr>
+            <a:r>
+              <a:rPr lang="en-US" sz="2000" dirty="0" smtClean="0"/>
+              <a:t>Predict (LM and Time Series Analysis)</a:t>
+            </a:r>
+          </a:p>
+          <a:p>
+            <a:pPr marL="285750" indent="-285750">
+              <a:buFont typeface="Arial" panose="020B0604020202020204" pitchFamily="34" charset="0"/>
+              <a:buChar char="•"/>
+            </a:pPr>
+            <a:r>
+              <a:rPr lang="en-US" sz="2000" dirty="0" smtClean="0"/>
+              <a:t>ARIMA:  </a:t>
+            </a:r>
+            <a:r>
+              <a:rPr lang="en-US" sz="2000" dirty="0" err="1" smtClean="0"/>
+              <a:t>AutoRegressive</a:t>
+            </a:r>
+            <a:r>
+              <a:rPr lang="en-US" sz="2000" dirty="0" smtClean="0"/>
+              <a:t> </a:t>
+            </a:r>
+            <a:r>
+              <a:rPr lang="en-US" sz="2000" dirty="0"/>
+              <a:t>Integrated Moving Average</a:t>
+            </a:r>
+            <a:endParaRPr lang="en-US" sz="2000" dirty="0" smtClean="0"/>
+          </a:p>
+          <a:p>
+            <a:pPr marL="285750" indent="-285750">
+              <a:buFont typeface="Arial" panose="020B0604020202020204" pitchFamily="34" charset="0"/>
+              <a:buChar char="•"/>
+            </a:pPr>
+            <a:r>
+              <a:rPr lang="en-US" sz="2000" dirty="0" smtClean="0"/>
+              <a:t>Conclusion and Visualization (Make sense of the data)</a:t>
+            </a:r>
+          </a:p>
+          <a:p>
+            <a:pPr marL="285750" indent="-285750">
+              <a:buFont typeface="Arial" panose="020B0604020202020204" pitchFamily="34" charset="0"/>
+              <a:buChar char="•"/>
+            </a:pPr>
+            <a:r>
+              <a:rPr lang="en-US" sz="2000" dirty="0" smtClean="0"/>
+              <a:t>Future research: Incorporate other data sets to the project (Traffic)</a:t>
+            </a:r>
+          </a:p>
+        </p:txBody>
+      </p:sp>
+    </p:spTree>
+    <p:extLst>
+      <p:ext uri="{BB962C8B-B14F-4D97-AF65-F5344CB8AC3E}">
+        <p14:creationId xmlns:p14="http://schemas.microsoft.com/office/powerpoint/2010/main" val="1739979638"/>
+      </p:ext>
+    </p:extLst>
+  </p:cSld>
+  <p:clrMapOvr>
+    <a:masterClrMapping/>
+  </p:clrMapOvr>
+  <p:timing>
+    <p:tnLst>
+      <p:par>
+        <p:cTn id="1" dur="indefinite" restart="never" nodeType="tmRoot"/>
+      </p:par>
+    </p:tnLst>
+  </p:timing>
+</p:sld>
+</file>
+
+<file path=ppt/slides/slide6.xml><?xml version="1.0" encoding="utf-8"?>
+<p:sld xmlns:a="http://schemas.openxmlformats.org/drawingml/2006/main" xmlns:r="http://schemas.openxmlformats.org/officeDocument/2006/relationships" xmlns:p="http://schemas.openxmlformats.org/presentationml/2006/main">
+  <p:cSld>
+    <p:spTree>
+      <p:nvGrpSpPr>
+        <p:cNvPr id="1" name=""/>
+        <p:cNvGrpSpPr/>
+        <p:nvPr/>
+      </p:nvGrpSpPr>
+      <p:grpSpPr>
+        <a:xfrm>
+          <a:off x="0" y="0"/>
+          <a:ext cx="0" cy="0"/>
+          <a:chOff x="0" y="0"/>
+          <a:chExt cx="0" cy="0"/>
+        </a:xfrm>
+      </p:grpSpPr>
+      <p:sp>
+        <p:nvSpPr>
+          <p:cNvPr id="2" name="Title 1"/>
+          <p:cNvSpPr>
+            <a:spLocks noGrp="1"/>
+          </p:cNvSpPr>
+          <p:nvPr>
+            <p:ph type="title"/>
+          </p:nvPr>
+        </p:nvSpPr>
+        <p:spPr/>
+        <p:txBody>
+          <a:bodyPr/>
+          <a:lstStyle/>
+          <a:p>
+            <a:pPr algn="ctr"/>
+            <a:r>
+              <a:rPr lang="en-US" dirty="0" smtClean="0"/>
+              <a:t>Capstone: Air Pollution Focus</a:t>
+            </a:r>
+            <a:endParaRPr lang="en-US" dirty="0"/>
+          </a:p>
+        </p:txBody>
+      </p:sp>
+      <p:sp>
+        <p:nvSpPr>
+          <p:cNvPr id="3" name="Content Placeholder 2"/>
+          <p:cNvSpPr>
+            <a:spLocks noGrp="1"/>
+          </p:cNvSpPr>
+          <p:nvPr>
+            <p:ph idx="1"/>
+          </p:nvPr>
+        </p:nvSpPr>
+        <p:spPr/>
+        <p:txBody>
+          <a:bodyPr/>
+          <a:lstStyle/>
+          <a:p>
+            <a:r>
+              <a:rPr lang="en-US" dirty="0"/>
+              <a:t>The natural atmosphere</a:t>
+            </a:r>
+          </a:p>
+          <a:p>
+            <a:r>
+              <a:rPr lang="en-US" dirty="0"/>
+              <a:t>Outdoor pollutants and their sources</a:t>
+            </a:r>
+          </a:p>
+          <a:p>
+            <a:r>
+              <a:rPr lang="en-US" dirty="0"/>
+              <a:t>Indoor air pollution</a:t>
+            </a:r>
+          </a:p>
+          <a:p>
+            <a:r>
+              <a:rPr lang="en-US" dirty="0"/>
+              <a:t>Health effects of air pollution </a:t>
+            </a:r>
+          </a:p>
+          <a:p>
+            <a:r>
+              <a:rPr lang="en-US" dirty="0"/>
+              <a:t>Measurement of particle pollution</a:t>
+            </a:r>
+          </a:p>
+          <a:p>
+            <a:r>
+              <a:rPr lang="en-US" dirty="0"/>
+              <a:t>Climate change</a:t>
+            </a:r>
+          </a:p>
+          <a:p>
+            <a:endParaRPr lang="en-US" dirty="0"/>
+          </a:p>
+        </p:txBody>
+      </p:sp>
+    </p:spTree>
+    <p:extLst>
+      <p:ext uri="{BB962C8B-B14F-4D97-AF65-F5344CB8AC3E}">
+        <p14:creationId xmlns:p14="http://schemas.microsoft.com/office/powerpoint/2010/main" val="2786290331"/>
+      </p:ext>
+    </p:extLst>
+  </p:cSld>
+  <p:clrMapOvr>
+    <a:masterClrMapping/>
+  </p:clrMapOvr>
+</p:sld>
+</file>
+
+<file path=ppt/slides/slide7.xml><?xml version="1.0" encoding="utf-8"?>
+<p:sld xmlns:a="http://schemas.openxmlformats.org/drawingml/2006/main" xmlns:r="http://schemas.openxmlformats.org/officeDocument/2006/relationships" xmlns:p="http://schemas.openxmlformats.org/presentationml/2006/main">
+  <p:cSld>
+    <p:spTree>
+      <p:nvGrpSpPr>
+        <p:cNvPr id="1" name=""/>
+        <p:cNvGrpSpPr/>
+        <p:nvPr/>
+      </p:nvGrpSpPr>
+      <p:grpSpPr>
+        <a:xfrm>
+          <a:off x="0" y="0"/>
+          <a:ext cx="0" cy="0"/>
+          <a:chOff x="0" y="0"/>
+          <a:chExt cx="0" cy="0"/>
+        </a:xfrm>
+      </p:grpSpPr>
+      <p:sp>
+        <p:nvSpPr>
+          <p:cNvPr id="2" name="Title 1"/>
+          <p:cNvSpPr>
+            <a:spLocks noGrp="1"/>
+          </p:cNvSpPr>
+          <p:nvPr>
+            <p:ph type="title"/>
+          </p:nvPr>
+        </p:nvSpPr>
+        <p:spPr/>
+        <p:txBody>
+          <a:bodyPr>
+            <a:normAutofit fontScale="90000"/>
+          </a:bodyPr>
+          <a:lstStyle/>
+          <a:p>
+            <a:r>
+              <a:rPr lang="en-US" dirty="0" smtClean="0"/>
+              <a:t>Similar to other studies but not as specific</a:t>
+            </a:r>
+            <a:endParaRPr lang="en-US" dirty="0"/>
+          </a:p>
+        </p:txBody>
+      </p:sp>
+      <p:sp>
+        <p:nvSpPr>
+          <p:cNvPr id="3" name="Content Placeholder 2"/>
+          <p:cNvSpPr>
+            <a:spLocks noGrp="1"/>
+          </p:cNvSpPr>
+          <p:nvPr>
+            <p:ph idx="1"/>
+          </p:nvPr>
+        </p:nvSpPr>
+        <p:spPr/>
+        <p:txBody>
+          <a:bodyPr/>
+          <a:lstStyle/>
+          <a:p>
+            <a:r>
+              <a:rPr lang="en-US" altLang="en-US" b="1" dirty="0"/>
+              <a:t>Carbon </a:t>
+            </a:r>
+            <a:r>
+              <a:rPr lang="en-US" altLang="en-US" b="1" dirty="0" smtClean="0"/>
+              <a:t>monoxide (yes)</a:t>
+            </a:r>
+            <a:endParaRPr lang="en-US" altLang="en-US" b="1" dirty="0"/>
+          </a:p>
+          <a:p>
+            <a:r>
+              <a:rPr lang="en-US" altLang="en-US" b="1" dirty="0"/>
+              <a:t>Sulfur </a:t>
+            </a:r>
+            <a:r>
+              <a:rPr lang="en-US" altLang="en-US" b="1" dirty="0" smtClean="0"/>
+              <a:t>dioxide </a:t>
+            </a:r>
+            <a:r>
+              <a:rPr lang="en-US" altLang="en-US" b="1" dirty="0"/>
+              <a:t>(yes</a:t>
+            </a:r>
+            <a:r>
+              <a:rPr lang="en-US" altLang="en-US" b="1" dirty="0" smtClean="0"/>
+              <a:t>)</a:t>
+            </a:r>
+            <a:endParaRPr lang="en-US" altLang="en-US" b="1" dirty="0"/>
+          </a:p>
+          <a:p>
+            <a:r>
+              <a:rPr lang="en-US" altLang="en-US" b="1" dirty="0"/>
+              <a:t>Nitrogen </a:t>
+            </a:r>
+            <a:r>
+              <a:rPr lang="en-US" altLang="en-US" b="1" dirty="0" smtClean="0"/>
+              <a:t>dioxide </a:t>
+            </a:r>
+            <a:r>
+              <a:rPr lang="en-US" altLang="en-US" b="1" dirty="0"/>
+              <a:t>(yes</a:t>
+            </a:r>
+            <a:r>
+              <a:rPr lang="en-US" altLang="en-US" b="1" dirty="0" smtClean="0"/>
+              <a:t>)</a:t>
+            </a:r>
+            <a:endParaRPr lang="en-US" altLang="en-US" b="1" dirty="0"/>
+          </a:p>
+          <a:p>
+            <a:r>
+              <a:rPr lang="en-US" altLang="en-US" b="1" dirty="0"/>
+              <a:t>Volatile </a:t>
+            </a:r>
+            <a:r>
+              <a:rPr lang="en-US" altLang="en-US" b="1" dirty="0" smtClean="0"/>
+              <a:t>organics (NO)</a:t>
+            </a:r>
+            <a:endParaRPr lang="en-US" altLang="en-US" b="1" dirty="0"/>
+          </a:p>
+          <a:p>
+            <a:r>
+              <a:rPr lang="en-US" altLang="en-US" b="1" dirty="0" smtClean="0"/>
+              <a:t>Ozone </a:t>
+            </a:r>
+            <a:r>
+              <a:rPr lang="en-US" altLang="en-US" b="1" dirty="0"/>
+              <a:t>(NO</a:t>
+            </a:r>
+            <a:r>
+              <a:rPr lang="en-US" altLang="en-US" b="1" dirty="0" smtClean="0"/>
+              <a:t>)</a:t>
+            </a:r>
+            <a:endParaRPr lang="en-US" altLang="en-US" b="1" dirty="0"/>
+          </a:p>
+          <a:p>
+            <a:r>
+              <a:rPr lang="en-US" altLang="en-US" b="1" dirty="0"/>
+              <a:t>Particulate </a:t>
+            </a:r>
+            <a:r>
+              <a:rPr lang="en-US" altLang="en-US" b="1" dirty="0" smtClean="0"/>
+              <a:t>matter (some)</a:t>
+            </a:r>
+            <a:endParaRPr lang="en-US" altLang="en-US" b="1" dirty="0"/>
+          </a:p>
+          <a:p>
+            <a:pPr lvl="1"/>
+            <a:r>
+              <a:rPr lang="en-US" altLang="en-US" b="1" dirty="0"/>
+              <a:t>Sulfates, nitrates, organics, elemental carbon, lead and other metals</a:t>
+            </a:r>
+          </a:p>
+          <a:p>
+            <a:endParaRPr lang="en-US" dirty="0"/>
+          </a:p>
+        </p:txBody>
+      </p:sp>
+    </p:spTree>
+    <p:extLst>
+      <p:ext uri="{BB962C8B-B14F-4D97-AF65-F5344CB8AC3E}">
+        <p14:creationId xmlns:p14="http://schemas.microsoft.com/office/powerpoint/2010/main" val="838114626"/>
+      </p:ext>
+    </p:extLst>
+  </p:cSld>
+  <p:clrMapOvr>
+    <a:masterClrMapping/>
+  </p:clrMapOvr>
+</p:sld>
+</file>
+
+<file path=ppt/slides/slide8.xml><?xml version="1.0" encoding="utf-8"?>
+<p:sld xmlns:a="http://schemas.openxmlformats.org/drawingml/2006/main" xmlns:r="http://schemas.openxmlformats.org/officeDocument/2006/relationships" xmlns:p="http://schemas.openxmlformats.org/presentationml/2006/main">
+  <p:cSld>
+    <p:spTree>
+      <p:nvGrpSpPr>
+        <p:cNvPr id="1" name=""/>
+        <p:cNvGrpSpPr/>
+        <p:nvPr/>
+      </p:nvGrpSpPr>
+      <p:grpSpPr>
+        <a:xfrm>
+          <a:off x="0" y="0"/>
+          <a:ext cx="0" cy="0"/>
+          <a:chOff x="0" y="0"/>
+          <a:chExt cx="0" cy="0"/>
+        </a:xfrm>
+      </p:grpSpPr>
+      <p:sp>
+        <p:nvSpPr>
+          <p:cNvPr id="2" name="Title 1"/>
+          <p:cNvSpPr>
+            <a:spLocks noGrp="1"/>
+          </p:cNvSpPr>
+          <p:nvPr>
+            <p:ph type="title"/>
+          </p:nvPr>
+        </p:nvSpPr>
+        <p:spPr/>
+        <p:txBody>
+          <a:bodyPr/>
+          <a:lstStyle/>
+          <a:p>
+            <a:pPr algn="ctr"/>
+            <a:r>
+              <a:rPr lang="en-US" altLang="en-US" b="1" dirty="0"/>
+              <a:t>Nitrogen Dioxide – NO</a:t>
+            </a:r>
+            <a:r>
+              <a:rPr lang="en-US" altLang="en-US" b="1" baseline="-25000" dirty="0"/>
+              <a:t>2</a:t>
+            </a:r>
+            <a:endParaRPr lang="en-US" dirty="0"/>
+          </a:p>
+        </p:txBody>
+      </p:sp>
+      <p:sp>
+        <p:nvSpPr>
+          <p:cNvPr id="3" name="Content Placeholder 2"/>
+          <p:cNvSpPr>
+            <a:spLocks noGrp="1"/>
+          </p:cNvSpPr>
+          <p:nvPr>
+            <p:ph idx="1"/>
+          </p:nvPr>
+        </p:nvSpPr>
+        <p:spPr/>
+        <p:txBody>
+          <a:bodyPr/>
+          <a:lstStyle/>
+          <a:p>
+            <a:r>
+              <a:rPr lang="en-US" altLang="en-US" b="1" dirty="0"/>
+              <a:t>Formed by oxidation of NO, which is produced with high temperature combustion (NO</a:t>
+            </a:r>
+            <a:r>
+              <a:rPr lang="en-US" altLang="en-US" b="1" baseline="-25000" dirty="0"/>
+              <a:t>2</a:t>
+            </a:r>
+            <a:r>
+              <a:rPr lang="en-US" altLang="en-US" b="1" dirty="0"/>
+              <a:t> is a secondary pollutant)</a:t>
+            </a:r>
+          </a:p>
+          <a:p>
+            <a:r>
+              <a:rPr lang="en-US" altLang="en-US" b="1" dirty="0"/>
+              <a:t>Oxidant that can irritate the lungs and hinder host defense</a:t>
+            </a:r>
+          </a:p>
+          <a:p>
+            <a:r>
+              <a:rPr lang="en-US" altLang="en-US" b="1" dirty="0"/>
+              <a:t>A key precursor of ozone formation</a:t>
+            </a:r>
+          </a:p>
+          <a:p>
+            <a:r>
+              <a:rPr lang="en-US" altLang="en-US" b="1" dirty="0"/>
+              <a:t>Emissions reductions by engine redesign and use of catalytic converters</a:t>
+            </a:r>
+          </a:p>
+          <a:p>
+            <a:endParaRPr lang="en-US" dirty="0"/>
+          </a:p>
+        </p:txBody>
+      </p:sp>
+    </p:spTree>
+    <p:extLst>
+      <p:ext uri="{BB962C8B-B14F-4D97-AF65-F5344CB8AC3E}">
+        <p14:creationId xmlns:p14="http://schemas.microsoft.com/office/powerpoint/2010/main" val="3704347107"/>
+      </p:ext>
+    </p:extLst>
+  </p:cSld>
+  <p:clrMapOvr>
+    <a:masterClrMapping/>
+  </p:clrMapOvr>
+</p:sld>
+</file>
+
 <file path=ppt/slides/slide9.xml><?xml version="1.0" encoding="utf-8"?>
 <p:sld xmlns:a="http://schemas.openxmlformats.org/drawingml/2006/main" xmlns:r="http://schemas.openxmlformats.org/officeDocument/2006/relationships" xmlns:p="http://schemas.openxmlformats.org/presentationml/2006/main">
   <p:cSld>
@@ -5727,30 +7359,21 @@
             <p:ph type="title"/>
           </p:nvPr>
         </p:nvSpPr>
-        <p:spPr>
-          <a:solidFill>
-            <a:srgbClr val="FFFFFF"/>
-          </a:solidFill>
-        </p:spPr>
-        <p:txBody>
-          <a:bodyPr>
-            <a:normAutofit fontScale="90000"/>
-          </a:bodyPr>
-          <a:lstStyle/>
-          <a:p>
-            <a:r>
-              <a:rPr lang="en-US" b="1" dirty="0" smtClean="0">
-                <a:solidFill>
-                  <a:srgbClr val="1F497D"/>
-                </a:solidFill>
-              </a:rPr>
-              <a:t>Performance on Big Data: Time Measurements</a:t>
-            </a:r>
-            <a:endParaRPr lang="en-US" b="1" dirty="0">
-              <a:solidFill>
-                <a:srgbClr val="1F497D"/>
-              </a:solidFill>
-            </a:endParaRPr>
+        <p:spPr/>
+        <p:txBody>
+          <a:bodyPr/>
+          <a:lstStyle/>
+          <a:p>
+            <a:pPr algn="ctr"/>
+            <a:r>
+              <a:rPr lang="en-US" altLang="en-US" b="1" dirty="0"/>
+              <a:t>Sulfur Dioxide – SO</a:t>
+            </a:r>
+            <a:r>
+              <a:rPr lang="en-US" altLang="en-US" b="1" baseline="-25000" dirty="0"/>
+              <a:t>2</a:t>
+            </a:r>
+            <a:endParaRPr lang="en-US" dirty="0"/>
           </a:p>
         </p:txBody>
       </p:sp>
@@ -5766,92 +7389,47 @@
         </p:nvSpPr>
         <p:spPr/>
         <p:txBody>
-          <a:bodyPr>
-            <a:normAutofit/>
-          </a:bodyPr>
-          <a:lstStyle/>
-          <a:p>
-            <a:r>
-              <a:rPr lang="en-US" sz="2200" dirty="0" smtClean="0"/>
-              <a:t>Uploading data time manually (each csv ~22 sec X ~449 station= too long)</a:t>
-            </a:r>
-          </a:p>
-          <a:p>
-            <a:r>
-              <a:rPr lang="en-US" sz="2200" dirty="0" smtClean="0"/>
-              <a:t>Using Zeppelin, to upload the csv. (3 seconds)  </a:t>
-            </a:r>
-          </a:p>
-          <a:p>
-            <a:r>
-              <a:rPr lang="en-US" sz="2200" dirty="0" smtClean="0"/>
-              <a:t>Cleaning dataset (2 mins); data was very clean, no NAs.</a:t>
-            </a:r>
-          </a:p>
-          <a:p>
-            <a:r>
-              <a:rPr lang="en-US" sz="2200" dirty="0" smtClean="0"/>
-              <a:t>*Exploratory data analysis (many hours)</a:t>
-            </a:r>
-          </a:p>
-          <a:p>
-            <a:r>
-              <a:rPr lang="en-US" sz="2200" dirty="0" smtClean="0"/>
-              <a:t>Using R to run analysis on data sections (&lt;15 secs each)</a:t>
-            </a:r>
-          </a:p>
-          <a:p>
-            <a:r>
-              <a:rPr lang="en-US" sz="2200" dirty="0" smtClean="0"/>
-              <a:t>Visualization time when data is uploaded to Zeppelin (1 sec)</a:t>
-            </a:r>
-          </a:p>
-          <a:p>
-            <a:r>
-              <a:rPr lang="en-US" sz="2200" dirty="0"/>
-              <a:t>Visualization </a:t>
-            </a:r>
-            <a:r>
-              <a:rPr lang="en-US" sz="2200" dirty="0" smtClean="0"/>
-              <a:t>time when </a:t>
-            </a:r>
-            <a:r>
-              <a:rPr lang="en-US" sz="2200" dirty="0"/>
-              <a:t>data is uploaded to </a:t>
-            </a:r>
-            <a:r>
-              <a:rPr lang="en-US" sz="2200" dirty="0" smtClean="0"/>
-              <a:t>Tableau (25 secs)</a:t>
-            </a:r>
-          </a:p>
-          <a:p>
-            <a:endParaRPr lang="en-US" sz="2000" dirty="0" smtClean="0"/>
-          </a:p>
-          <a:p>
-            <a:endParaRPr lang="en-US" sz="2000" dirty="0" smtClean="0"/>
-          </a:p>
-          <a:p>
-            <a:endParaRPr lang="en-US" sz="2000" dirty="0"/>
+          <a:bodyPr/>
+          <a:lstStyle/>
+          <a:p>
+            <a:r>
+              <a:rPr lang="en-US" altLang="en-US" b="1" dirty="0"/>
+              <a:t>Primary pollutant, emitted by combustion of fuels containing sulfur; also metal smelting</a:t>
+            </a:r>
+          </a:p>
+          <a:p>
+            <a:r>
+              <a:rPr lang="en-US" altLang="en-US" b="1" dirty="0"/>
+              <a:t>Irritates upper respiratory tract</a:t>
+            </a:r>
+          </a:p>
+          <a:p>
+            <a:r>
+              <a:rPr lang="en-US" altLang="en-US" b="1" dirty="0"/>
+              <a:t>Converted in atmosphere to acid sulfates</a:t>
+            </a:r>
+          </a:p>
+          <a:p>
+            <a:r>
+              <a:rPr lang="en-US" altLang="en-US" b="1" dirty="0"/>
+              <a:t>Emissions reductions by building taller smoke stacks, installing scrubbers, or by reducing sulfur content of fuel being burned</a:t>
+            </a:r>
+          </a:p>
+          <a:p>
+            <a:endParaRPr lang="en-US" dirty="0"/>
           </a:p>
         </p:txBody>
       </p:sp>
     </p:spTree>
     <p:extLst>
       <p:ext uri="{BB962C8B-B14F-4D97-AF65-F5344CB8AC3E}">
-        <p14:creationId xmlns:p14="http://schemas.microsoft.com/office/powerpoint/2010/main" val="1074901712"/>
+        <p14:creationId xmlns:p14="http://schemas.microsoft.com/office/powerpoint/2010/main" val="757739609"/>
       </p:ext>
     </p:extLst>
   </p:cSld>
   <p:clrMapOvr>
     <a:masterClrMapping/>
   </p:clrMapOvr>
-  <p:timing>
-    <p:tnLst>
-      <p:par>
-        <p:cTn id="1" dur="indefinite" restart="never" nodeType="tmRoot"/>
-      </p:par>
-    </p:tnLst>
-  </p:timing>
 </p:sld>
 </file>
 
@@ -6173,4 +7751,265 @@
   </a:objectDefaults>
   <a:extraClrSchemeLst/>
 </a:theme>
+</file>
+
+<file path=ppt/theme/theme2.xml><?xml version="1.0" encoding="utf-8"?>
+<a:theme xmlns:a="http://schemas.openxmlformats.org/drawingml/2006/main" name="Office Theme">
+  <a:themeElements>
+    <a:clrScheme name="Office">
+      <a:dk1>
+        <a:sysClr val="windowText" lastClr="000000"/>
+      </a:dk1>
+      <a:lt1>
+        <a:sysClr val="window" lastClr="FFFFFF"/>
+      </a:lt1>
+      <a:dk2>
+        <a:srgbClr val="44546A"/>
+      </a:dk2>
+      <a:lt2>
+        <a:srgbClr val="E7E6E6"/>
+      </a:lt2>
+      <a:accent1>
+        <a:srgbClr val="5B9BD5"/>
+      </a:accent1>
+      <a:accent2>
+        <a:srgbClr val="ED7D31"/>
+      </a:accent2>
+      <a:accent3>
+        <a:srgbClr val="A5A5A5"/>
+      </a:accent3>
+      <a:accent4>
+        <a:srgbClr val="FFC000"/>
+      </a:accent4>
+      <a:accent5>
+        <a:srgbClr val="4472C4"/>
+      </a:accent5>
+      <a:accent6>
+        <a:srgbClr val="70AD47"/>
+      </a:accent6>
+      <a:hlink>
+        <a:srgbClr val="0563C1"/>
+      </a:hlink>
+      <a:folHlink>
+        <a:srgbClr val="954F72"/>
+      </a:folHlink>
+    </a:clrScheme>
+    <a:fontScheme name="Office">
+      <a:majorFont>
+        <a:latin typeface="Calibri Light" panose="020F0302020204030204"/>
+        <a:ea typeface=""/>
+        <a:cs typeface=""/>
+        <a:font script="Jpan" typeface="ＭＳ Ｐゴシック"/>
+        <a:font script="Hang" typeface="맑은 고딕"/>
+        <a:font script="Hans" typeface="宋体"/>
+        <a:font script="Hant" typeface="新細明體"/>
+        <a:font script="Arab" typeface="Times New Roman"/>
+        <a:font script="Hebr" typeface="Times New Roman"/>
+        <a:font script="Thai" typeface="Angsana New"/>
+        <a:font script="Ethi" typeface="Nyala"/>
+        <a:font script="Beng" typeface="Vrinda"/>
+        <a:font script="Gujr" typeface="Shruti"/>
+        <a:font script="Khmr" typeface="MoolBoran"/>
+        <a:font script="Knda" typeface="Tunga"/>
+        <a:font script="Guru" typeface="Raavi"/>
+        <a:font script="Cans" typeface="Euphemia"/>
+        <a:font script="Cher" typeface="Plantagenet Cherokee"/>
+        <a:font script="Yiii" typeface="Microsoft Yi Baiti"/>
+        <a:font script="Tibt" typeface="Microsoft Himalaya"/>
+        <a:font script="Thaa" typeface="MV Boli"/>
+        <a:font script="Deva" typeface="Mangal"/>
+        <a:font script="Telu" typeface="Gautami"/>
+        <a:font script="Taml" typeface="Latha"/>
+        <a:font script="Syrc" typeface="Estrangelo Edessa"/>
+        <a:font script="Orya" typeface="Kalinga"/>
+        <a:font script="Mlym" typeface="Kartika"/>
+        <a:font script="Laoo" typeface="DokChampa"/>
+        <a:font script="Sinh" typeface="Iskoola Pota"/>
+        <a:font script="Mong" typeface="Mongolian Baiti"/>
+        <a:font script="Viet" typeface="Times New Roman"/>
+        <a:font script="Uigh" typeface="Microsoft Uighur"/>
+        <a:font script="Geor" typeface="Sylfaen"/>
+      </a:majorFont>
+      <a:minorFont>
+        <a:latin typeface="Calibri" panose="020F0502020204030204"/>
+        <a:ea typeface=""/>
+        <a:cs typeface=""/>
+        <a:font script="Jpan" typeface="ＭＳ Ｐゴシック"/>
+        <a:font script="Hang" typeface="맑은 고딕"/>
+        <a:font script="Hans" typeface="宋体"/>
+        <a:font script="Hant" typeface="新細明體"/>
+        <a:font script="Arab" typeface="Arial"/>
+        <a:font script="Hebr" typeface="Arial"/>
+        <a:font script="Thai" typeface="Cordia New"/>
+        <a:font script="Ethi" typeface="Nyala"/>
+        <a:font script="Beng" typeface="Vrinda"/>
+        <a:font script="Gujr" typeface="Shruti"/>
+        <a:font script="Khmr" typeface="DaunPenh"/>
+        <a:font script="Knda" typeface="Tunga"/>
+        <a:font script="Guru" typeface="Raavi"/>
+        <a:font script="Cans" typeface="Euphemia"/>
+        <a:font script="Cher" typeface="Plantagenet Cherokee"/>
+        <a:font script="Yiii" typeface="Microsoft Yi Baiti"/>
+        <a:font script="Tibt" typeface="Microsoft Himalaya"/>
+        <a:font script="Thaa" typeface="MV Boli"/>
+        <a:font script="Deva" typeface="Mangal"/>
+        <a:font script="Telu" typeface="Gautami"/>
+        <a:font script="Taml" typeface="Latha"/>
+        <a:font script="Syrc" typeface="Estrangelo Edessa"/>
+        <a:font script="Orya" typeface="Kalinga"/>
+        <a:font script="Mlym" typeface="Kartika"/>
+        <a:font script="Laoo" typeface="DokChampa"/>
+        <a:font script="Sinh" typeface="Iskoola Pota"/>
+        <a:font script="Mong" typeface="Mongolian Baiti"/>
+        <a:font script="Viet" typeface="Arial"/>
+        <a:font script="Uigh" typeface="Microsoft Uighur"/>
+        <a:font script="Geor" typeface="Sylfaen"/>
+      </a:minorFont>
+    </a:fontScheme>
+    <a:fmtScheme name="Office">
+      <a:fillStyleLst>
+        <a:solidFill>
+          <a:schemeClr val="phClr"/>
+        </a:solidFill>
+        <a:gradFill rotWithShape="1">
+          <a:gsLst>
+            <a:gs pos="0">
+              <a:schemeClr val="phClr">
+                <a:lumMod val="110000"/>
+                <a:satMod val="105000"/>
+                <a:tint val="67000"/>
+              </a:schemeClr>
+            </a:gs>
+            <a:gs pos="50000">
+              <a:schemeClr val="phClr">
+                <a:lumMod val="105000"/>
+                <a:satMod val="103000"/>
+                <a:tint val="73000"/>
+              </a:schemeClr>
+            </a:gs>
+            <a:gs pos="100000">
+              <a:schemeClr val="phClr">
+                <a:lumMod val="105000"/>
+                <a:satMod val="109000"/>
+                <a:tint val="81000"/>
+              </a:schemeClr>
+            </a:gs>
+          </a:gsLst>
+          <a:lin ang="5400000" scaled="0"/>
+        </a:gradFill>
+        <a:gradFill rotWithShape="1">
+          <a:gsLst>
+            <a:gs pos="0">
+              <a:schemeClr val="phClr">
+                <a:satMod val="103000"/>
+                <a:lumMod val="102000"/>
+                <a:tint val="94000"/>
+              </a:schemeClr>
+            </a:gs>
+            <a:gs pos="50000">
+              <a:schemeClr val="phClr">
+                <a:satMod val="110000"/>
+                <a:lumMod val="100000"/>
+                <a:shade val="100000"/>
+              </a:schemeClr>
+            </a:gs>
+            <a:gs pos="100000">
+              <a:schemeClr val="phClr">
+                <a:lumMod val="99000"/>
+                <a:satMod val="120000"/>
+                <a:shade val="78000"/>
+              </a:schemeClr>
+            </a:gs>
+          </a:gsLst>
+          <a:lin ang="5400000" scaled="0"/>
+        </a:gradFill>
+      </a:fillStyleLst>
+      <a:lnStyleLst>
+        <a:ln w="6350" cap="flat" cmpd="sng" algn="ctr">
+          <a:solidFill>
+            <a:schemeClr val="phClr"/>
+          </a:solidFill>
+          <a:prstDash val="solid"/>
+          <a:miter lim="800000"/>
+        </a:ln>
+        <a:ln w="12700" cap="flat" cmpd="sng" algn="ctr">
+          <a:solidFill>
+            <a:schemeClr val="phClr"/>
+          </a:solidFill>
+          <a:prstDash val="solid"/>
+          <a:miter lim="800000"/>
+        </a:ln>
+        <a:ln w="19050" cap="flat" cmpd="sng" algn="ctr">
+          <a:solidFill>
+            <a:schemeClr val="phClr"/>
+          </a:solidFill>
+          <a:prstDash val="solid"/>
+          <a:miter lim="800000"/>
+        </a:ln>
+      </a:lnStyleLst>
+      <a:effectStyleLst>
+        <a:effectStyle>
+          <a:effectLst/>
+        </a:effectStyle>
+        <a:effectStyle>
+          <a:effectLst/>
+        </a:effectStyle>
+        <a:effectStyle>
+          <a:effectLst>
+            <a:outerShdw blurRad="57150" dist="19050" dir="5400000" algn="ctr" rotWithShape="0">
+              <a:srgbClr val="000000">
+                <a:alpha val="63000"/>
+              </a:srgbClr>
+            </a:outerShdw>
+          </a:effectLst>
+        </a:effectStyle>
+      </a:effectStyleLst>
+      <a:bgFillStyleLst>
+        <a:solidFill>
+          <a:schemeClr val="phClr"/>
+        </a:solidFill>
+        <a:solidFill>
+          <a:schemeClr val="phClr">
+            <a:tint val="95000"/>
+            <a:satMod val="170000"/>
+          </a:schemeClr>
+        </a:solidFill>
+        <a:gradFill rotWithShape="1">
+          <a:gsLst>
+            <a:gs pos="0">
+              <a:schemeClr val="phClr">
+                <a:tint val="93000"/>
+                <a:satMod val="150000"/>
+                <a:shade val="98000"/>
+                <a:lumMod val="102000"/>
+              </a:schemeClr>
+            </a:gs>
+            <a:gs pos="50000">
+              <a:schemeClr val="phClr">
+                <a:tint val="98000"/>
+                <a:satMod val="130000"/>
+                <a:shade val="90000"/>
+                <a:lumMod val="103000"/>
+              </a:schemeClr>
+            </a:gs>
+            <a:gs pos="100000">
+              <a:schemeClr val="phClr">
+                <a:shade val="63000"/>
+                <a:satMod val="120000"/>
+              </a:schemeClr>
+            </a:gs>
+          </a:gsLst>
+          <a:lin ang="5400000" scaled="0"/>
+        </a:gradFill>
+      </a:bgFillStyleLst>
+    </a:fmtScheme>
+  </a:themeElements>
+  <a:objectDefaults/>
+  <a:extraClrSchemeLst/>
+  <a:extLst>
+    <a:ext uri="{05A4C25C-085E-4340-85A3-A5531E510DB2}">
+      <thm15:themeFamily xmlns:thm15="http://schemas.microsoft.com/office/thememl/2012/main" name="Office Theme" id="{62F939B6-93AF-4DB8-9C6B-D6C7DFDC589F}" vid="{4A3C46E8-61CC-4603-A589-7422A47A8E4A}"/>
+    </a:ext>
+  </a:extLst>
+</a:theme>
 </file>